--- a/Presentations/First presentation.pptx
+++ b/Presentations/First presentation.pptx
@@ -847,7 +847,7 @@
           <a:p>
             <a:fld id="{F508663A-A328-45BA-A8DC-088A2118BFD9}" type="datetimeFigureOut">
               <a:rPr lang="en-US" smtClean="0"/>
-              <a:t>4/29/2020</a:t>
+              <a:t>4/30/2020</a:t>
             </a:fld>
             <a:endParaRPr lang="en-US"/>
           </a:p>
@@ -1098,7 +1098,7 @@
           <a:p>
             <a:fld id="{F508663A-A328-45BA-A8DC-088A2118BFD9}" type="datetimeFigureOut">
               <a:rPr lang="en-US" smtClean="0"/>
-              <a:t>4/29/2020</a:t>
+              <a:t>4/30/2020</a:t>
             </a:fld>
             <a:endParaRPr lang="en-US"/>
           </a:p>
@@ -1412,7 +1412,7 @@
           <a:p>
             <a:fld id="{F508663A-A328-45BA-A8DC-088A2118BFD9}" type="datetimeFigureOut">
               <a:rPr lang="en-US" smtClean="0"/>
-              <a:t>4/29/2020</a:t>
+              <a:t>4/30/2020</a:t>
             </a:fld>
             <a:endParaRPr lang="en-US"/>
           </a:p>
@@ -1753,7 +1753,7 @@
           <a:p>
             <a:fld id="{F508663A-A328-45BA-A8DC-088A2118BFD9}" type="datetimeFigureOut">
               <a:rPr lang="en-US" smtClean="0"/>
-              <a:t>4/29/2020</a:t>
+              <a:t>4/30/2020</a:t>
             </a:fld>
             <a:endParaRPr lang="en-US"/>
           </a:p>
@@ -2067,7 +2067,7 @@
           <a:p>
             <a:fld id="{F508663A-A328-45BA-A8DC-088A2118BFD9}" type="datetimeFigureOut">
               <a:rPr lang="en-US" smtClean="0"/>
-              <a:t>4/29/2020</a:t>
+              <a:t>4/30/2020</a:t>
             </a:fld>
             <a:endParaRPr lang="en-US"/>
           </a:p>
@@ -2460,7 +2460,7 @@
           <a:p>
             <a:fld id="{F508663A-A328-45BA-A8DC-088A2118BFD9}" type="datetimeFigureOut">
               <a:rPr lang="en-US" smtClean="0"/>
-              <a:t>4/29/2020</a:t>
+              <a:t>4/30/2020</a:t>
             </a:fld>
             <a:endParaRPr lang="en-US"/>
           </a:p>
@@ -2630,7 +2630,7 @@
           <a:p>
             <a:fld id="{F508663A-A328-45BA-A8DC-088A2118BFD9}" type="datetimeFigureOut">
               <a:rPr lang="en-US" smtClean="0"/>
-              <a:t>4/29/2020</a:t>
+              <a:t>4/30/2020</a:t>
             </a:fld>
             <a:endParaRPr lang="en-US"/>
           </a:p>
@@ -2810,7 +2810,7 @@
           <a:p>
             <a:fld id="{F508663A-A328-45BA-A8DC-088A2118BFD9}" type="datetimeFigureOut">
               <a:rPr lang="en-US" smtClean="0"/>
-              <a:t>4/29/2020</a:t>
+              <a:t>4/30/2020</a:t>
             </a:fld>
             <a:endParaRPr lang="en-US"/>
           </a:p>
@@ -2986,7 +2986,7 @@
           <a:p>
             <a:fld id="{F508663A-A328-45BA-A8DC-088A2118BFD9}" type="datetimeFigureOut">
               <a:rPr lang="en-US" smtClean="0"/>
-              <a:t>4/29/2020</a:t>
+              <a:t>4/30/2020</a:t>
             </a:fld>
             <a:endParaRPr lang="en-US"/>
           </a:p>
@@ -3233,7 +3233,7 @@
           <a:p>
             <a:fld id="{F508663A-A328-45BA-A8DC-088A2118BFD9}" type="datetimeFigureOut">
               <a:rPr lang="en-US" smtClean="0"/>
-              <a:t>4/29/2020</a:t>
+              <a:t>4/30/2020</a:t>
             </a:fld>
             <a:endParaRPr lang="en-US"/>
           </a:p>
@@ -3465,7 +3465,7 @@
           <a:p>
             <a:fld id="{F508663A-A328-45BA-A8DC-088A2118BFD9}" type="datetimeFigureOut">
               <a:rPr lang="en-US" smtClean="0"/>
-              <a:t>4/29/2020</a:t>
+              <a:t>4/30/2020</a:t>
             </a:fld>
             <a:endParaRPr lang="en-US"/>
           </a:p>
@@ -3839,7 +3839,7 @@
           <a:p>
             <a:fld id="{F508663A-A328-45BA-A8DC-088A2118BFD9}" type="datetimeFigureOut">
               <a:rPr lang="en-US" smtClean="0"/>
-              <a:t>4/29/2020</a:t>
+              <a:t>4/30/2020</a:t>
             </a:fld>
             <a:endParaRPr lang="en-US"/>
           </a:p>
@@ -3962,7 +3962,7 @@
           <a:p>
             <a:fld id="{F508663A-A328-45BA-A8DC-088A2118BFD9}" type="datetimeFigureOut">
               <a:rPr lang="en-US" smtClean="0"/>
-              <a:t>4/29/2020</a:t>
+              <a:t>4/30/2020</a:t>
             </a:fld>
             <a:endParaRPr lang="en-US"/>
           </a:p>
@@ -4057,7 +4057,7 @@
           <a:p>
             <a:fld id="{F508663A-A328-45BA-A8DC-088A2118BFD9}" type="datetimeFigureOut">
               <a:rPr lang="en-US" smtClean="0"/>
-              <a:t>4/29/2020</a:t>
+              <a:t>4/30/2020</a:t>
             </a:fld>
             <a:endParaRPr lang="en-US"/>
           </a:p>
@@ -4312,7 +4312,7 @@
           <a:p>
             <a:fld id="{F508663A-A328-45BA-A8DC-088A2118BFD9}" type="datetimeFigureOut">
               <a:rPr lang="en-US" smtClean="0"/>
-              <a:t>4/29/2020</a:t>
+              <a:t>4/30/2020</a:t>
             </a:fld>
             <a:endParaRPr lang="en-US"/>
           </a:p>
@@ -4575,7 +4575,7 @@
           <a:p>
             <a:fld id="{F508663A-A328-45BA-A8DC-088A2118BFD9}" type="datetimeFigureOut">
               <a:rPr lang="en-US" smtClean="0"/>
-              <a:t>4/29/2020</a:t>
+              <a:t>4/30/2020</a:t>
             </a:fld>
             <a:endParaRPr lang="en-US"/>
           </a:p>
@@ -5318,7 +5318,7 @@
           <a:p>
             <a:fld id="{F508663A-A328-45BA-A8DC-088A2118BFD9}" type="datetimeFigureOut">
               <a:rPr lang="en-US" smtClean="0"/>
-              <a:t>4/29/2020</a:t>
+              <a:t>4/30/2020</a:t>
             </a:fld>
             <a:endParaRPr lang="en-US"/>
           </a:p>
@@ -5828,6 +5828,14 @@
 <file path=ppt/slides/slide1.xml><?xml version="1.0" encoding="utf-8"?>
 <p:sld xmlns:a="http://schemas.openxmlformats.org/drawingml/2006/main" xmlns:r="http://schemas.openxmlformats.org/officeDocument/2006/relationships" xmlns:p="http://schemas.openxmlformats.org/presentationml/2006/main">
   <p:cSld>
+    <p:bg>
+      <p:bgPr>
+        <a:solidFill>
+          <a:schemeClr val="bg1"/>
+        </a:solidFill>
+        <a:effectLst/>
+      </p:bgPr>
+    </p:bg>
     <p:spTree>
       <p:nvGrpSpPr>
         <p:cNvPr id="1" name=""/>
@@ -5842,6 +5850,663 @@
           <a:chExt cx="0" cy="0"/>
         </a:xfrm>
       </p:grpSpPr>
+      <p:sp useBgFill="1">
+        <p:nvSpPr>
+          <p:cNvPr id="8" name="Rectangle 7">
+            <a:extLst>
+              <a:ext uri="{FF2B5EF4-FFF2-40B4-BE49-F238E27FC236}">
+                <a16:creationId xmlns:a16="http://schemas.microsoft.com/office/drawing/2014/main" id="{9179DE42-5613-4B35-A1E6-6CCBAA13C743}"/>
+              </a:ext>
+              <a:ext uri="{C183D7F6-B498-43B3-948B-1728B52AA6E4}">
+                <adec:decorative xmlns:adec="http://schemas.microsoft.com/office/drawing/2017/decorative" val="1"/>
+              </a:ext>
+            </a:extLst>
+          </p:cNvPr>
+          <p:cNvSpPr>
+            <a:spLocks noGrp="1" noRot="1" noChangeAspect="1" noMove="1" noResize="1" noEditPoints="1" noAdjustHandles="1" noChangeArrowheads="1" noChangeShapeType="1" noTextEdit="1"/>
+          </p:cNvSpPr>
+          <p:nvPr>
+            <p:extLst>
+              <p:ext uri="{386F3935-93C4-4BCD-93E2-E3B085C9AB24}">
+                <p16:designElem xmlns:p16="http://schemas.microsoft.com/office/powerpoint/2015/main" val="1"/>
+              </p:ext>
+            </p:extLst>
+          </p:nvPr>
+        </p:nvSpPr>
+        <p:spPr>
+          <a:xfrm flipH="1">
+            <a:off x="0" y="0"/>
+            <a:ext cx="12192000" cy="6858000"/>
+          </a:xfrm>
+          <a:prstGeom prst="rect">
+            <a:avLst/>
+          </a:prstGeom>
+          <a:ln>
+            <a:noFill/>
+          </a:ln>
+        </p:spPr>
+        <p:style>
+          <a:lnRef idx="2">
+            <a:schemeClr val="accent1">
+              <a:shade val="50000"/>
+            </a:schemeClr>
+          </a:lnRef>
+          <a:fillRef idx="1">
+            <a:schemeClr val="accent1"/>
+          </a:fillRef>
+          <a:effectRef idx="0">
+            <a:schemeClr val="accent1"/>
+          </a:effectRef>
+          <a:fontRef idx="minor">
+            <a:schemeClr val="lt1"/>
+          </a:fontRef>
+        </p:style>
+        <p:txBody>
+          <a:bodyPr rtlCol="0" anchor="ctr"/>
+          <a:lstStyle/>
+          <a:p>
+            <a:pPr algn="ctr"/>
+            <a:endParaRPr lang="en-US"/>
+          </a:p>
+        </p:txBody>
+      </p:sp>
+      <p:cxnSp>
+        <p:nvCxnSpPr>
+          <p:cNvPr id="10" name="Straight Connector 9">
+            <a:extLst>
+              <a:ext uri="{FF2B5EF4-FFF2-40B4-BE49-F238E27FC236}">
+                <a16:creationId xmlns:a16="http://schemas.microsoft.com/office/drawing/2014/main" id="{EB898B32-3891-4C3A-8F58-C5969D2E9033}"/>
+              </a:ext>
+              <a:ext uri="{C183D7F6-B498-43B3-948B-1728B52AA6E4}">
+                <adec:decorative xmlns:adec="http://schemas.microsoft.com/office/drawing/2017/decorative" val="1"/>
+              </a:ext>
+            </a:extLst>
+          </p:cNvPr>
+          <p:cNvCxnSpPr>
+            <a:cxnSpLocks noGrp="1" noRot="1" noChangeAspect="1" noMove="1" noResize="1" noEditPoints="1" noAdjustHandles="1" noChangeArrowheads="1" noChangeShapeType="1"/>
+          </p:cNvCxnSpPr>
+          <p:nvPr>
+            <p:extLst>
+              <p:ext uri="{386F3935-93C4-4BCD-93E2-E3B085C9AB24}">
+                <p16:designElem xmlns:p16="http://schemas.microsoft.com/office/powerpoint/2015/main" val="1"/>
+              </p:ext>
+            </p:extLst>
+          </p:nvPr>
+        </p:nvCxnSpPr>
+        <p:spPr>
+          <a:xfrm flipH="1">
+            <a:off x="9524500" y="0"/>
+            <a:ext cx="1219200" cy="6858000"/>
+          </a:xfrm>
+          <a:prstGeom prst="line">
+            <a:avLst/>
+          </a:prstGeom>
+          <a:ln w="9525">
+            <a:solidFill>
+              <a:schemeClr val="accent1">
+                <a:lumMod val="75000"/>
+              </a:schemeClr>
+            </a:solidFill>
+          </a:ln>
+        </p:spPr>
+        <p:style>
+          <a:lnRef idx="2">
+            <a:schemeClr val="accent1"/>
+          </a:lnRef>
+          <a:fillRef idx="0">
+            <a:schemeClr val="accent1"/>
+          </a:fillRef>
+          <a:effectRef idx="1">
+            <a:schemeClr val="accent1"/>
+          </a:effectRef>
+          <a:fontRef idx="minor">
+            <a:schemeClr val="tx1"/>
+          </a:fontRef>
+        </p:style>
+      </p:cxnSp>
+      <p:cxnSp>
+        <p:nvCxnSpPr>
+          <p:cNvPr id="12" name="Straight Connector 11">
+            <a:extLst>
+              <a:ext uri="{FF2B5EF4-FFF2-40B4-BE49-F238E27FC236}">
+                <a16:creationId xmlns:a16="http://schemas.microsoft.com/office/drawing/2014/main" id="{4AE4806D-B8F9-4679-A68A-9BD21C01A301}"/>
+              </a:ext>
+              <a:ext uri="{C183D7F6-B498-43B3-948B-1728B52AA6E4}">
+                <adec:decorative xmlns:adec="http://schemas.microsoft.com/office/drawing/2017/decorative" val="1"/>
+              </a:ext>
+            </a:extLst>
+          </p:cNvPr>
+          <p:cNvCxnSpPr>
+            <a:cxnSpLocks noGrp="1" noRot="1" noChangeAspect="1" noMove="1" noResize="1" noEditPoints="1" noAdjustHandles="1" noChangeArrowheads="1" noChangeShapeType="1"/>
+          </p:cNvCxnSpPr>
+          <p:nvPr>
+            <p:extLst>
+              <p:ext uri="{386F3935-93C4-4BCD-93E2-E3B085C9AB24}">
+                <p16:designElem xmlns:p16="http://schemas.microsoft.com/office/powerpoint/2015/main" val="1"/>
+              </p:ext>
+            </p:extLst>
+          </p:nvPr>
+        </p:nvCxnSpPr>
+        <p:spPr>
+          <a:xfrm>
+            <a:off x="7361267" y="3681413"/>
+            <a:ext cx="4763558" cy="3176587"/>
+          </a:xfrm>
+          <a:prstGeom prst="line">
+            <a:avLst/>
+          </a:prstGeom>
+          <a:ln w="9525">
+            <a:solidFill>
+              <a:schemeClr val="tx1">
+                <a:lumMod val="50000"/>
+                <a:lumOff val="50000"/>
+                <a:alpha val="80000"/>
+              </a:schemeClr>
+            </a:solidFill>
+          </a:ln>
+        </p:spPr>
+        <p:style>
+          <a:lnRef idx="2">
+            <a:schemeClr val="accent1"/>
+          </a:lnRef>
+          <a:fillRef idx="0">
+            <a:schemeClr val="accent1"/>
+          </a:fillRef>
+          <a:effectRef idx="1">
+            <a:schemeClr val="accent1"/>
+          </a:effectRef>
+          <a:fontRef idx="minor">
+            <a:schemeClr val="tx1"/>
+          </a:fontRef>
+        </p:style>
+      </p:cxnSp>
+      <p:sp>
+        <p:nvSpPr>
+          <p:cNvPr id="14" name="Rectangle 23">
+            <a:extLst>
+              <a:ext uri="{FF2B5EF4-FFF2-40B4-BE49-F238E27FC236}">
+                <a16:creationId xmlns:a16="http://schemas.microsoft.com/office/drawing/2014/main" id="{52FB45E9-914E-4471-AC87-E475CD51767D}"/>
+              </a:ext>
+              <a:ext uri="{C183D7F6-B498-43B3-948B-1728B52AA6E4}">
+                <adec:decorative xmlns:adec="http://schemas.microsoft.com/office/drawing/2017/decorative" val="1"/>
+              </a:ext>
+            </a:extLst>
+          </p:cNvPr>
+          <p:cNvSpPr>
+            <a:spLocks noGrp="1" noRot="1" noChangeAspect="1" noMove="1" noResize="1" noEditPoints="1" noAdjustHandles="1" noChangeArrowheads="1" noChangeShapeType="1" noTextEdit="1"/>
+          </p:cNvSpPr>
+          <p:nvPr>
+            <p:extLst>
+              <p:ext uri="{386F3935-93C4-4BCD-93E2-E3B085C9AB24}">
+                <p16:designElem xmlns:p16="http://schemas.microsoft.com/office/powerpoint/2015/main" val="1"/>
+              </p:ext>
+            </p:extLst>
+          </p:nvPr>
+        </p:nvSpPr>
+        <p:spPr>
+          <a:xfrm flipH="1">
+            <a:off x="7925887" y="-8467"/>
+            <a:ext cx="3007349" cy="6866467"/>
+          </a:xfrm>
+          <a:custGeom>
+            <a:avLst/>
+            <a:gdLst/>
+            <a:ahLst/>
+            <a:cxnLst/>
+            <a:rect l="l" t="t" r="r" b="b"/>
+            <a:pathLst>
+              <a:path w="3007349" h="6866467">
+                <a:moveTo>
+                  <a:pt x="2045532" y="0"/>
+                </a:moveTo>
+                <a:lnTo>
+                  <a:pt x="3007349" y="0"/>
+                </a:lnTo>
+                <a:lnTo>
+                  <a:pt x="3007349" y="6866467"/>
+                </a:lnTo>
+                <a:lnTo>
+                  <a:pt x="0" y="6866467"/>
+                </a:lnTo>
+                <a:lnTo>
+                  <a:pt x="2045532" y="0"/>
+                </a:lnTo>
+                <a:close/>
+              </a:path>
+            </a:pathLst>
+          </a:custGeom>
+          <a:solidFill>
+            <a:schemeClr val="accent1">
+              <a:alpha val="30000"/>
+            </a:schemeClr>
+          </a:solidFill>
+          <a:ln>
+            <a:noFill/>
+          </a:ln>
+          <a:effectLst/>
+        </p:spPr>
+        <p:style>
+          <a:lnRef idx="1">
+            <a:schemeClr val="accent1"/>
+          </a:lnRef>
+          <a:fillRef idx="3">
+            <a:schemeClr val="accent1"/>
+          </a:fillRef>
+          <a:effectRef idx="2">
+            <a:schemeClr val="accent1"/>
+          </a:effectRef>
+          <a:fontRef idx="minor">
+            <a:schemeClr val="lt1"/>
+          </a:fontRef>
+        </p:style>
+      </p:sp>
+      <p:sp>
+        <p:nvSpPr>
+          <p:cNvPr id="16" name="Rectangle 25">
+            <a:extLst>
+              <a:ext uri="{FF2B5EF4-FFF2-40B4-BE49-F238E27FC236}">
+                <a16:creationId xmlns:a16="http://schemas.microsoft.com/office/drawing/2014/main" id="{C310626D-5743-49D4-8F7D-88C4F8F05774}"/>
+              </a:ext>
+              <a:ext uri="{C183D7F6-B498-43B3-948B-1728B52AA6E4}">
+                <adec:decorative xmlns:adec="http://schemas.microsoft.com/office/drawing/2017/decorative" val="1"/>
+              </a:ext>
+            </a:extLst>
+          </p:cNvPr>
+          <p:cNvSpPr>
+            <a:spLocks noGrp="1" noRot="1" noChangeAspect="1" noMove="1" noResize="1" noEditPoints="1" noAdjustHandles="1" noChangeArrowheads="1" noChangeShapeType="1" noTextEdit="1"/>
+          </p:cNvSpPr>
+          <p:nvPr>
+            <p:extLst>
+              <p:ext uri="{386F3935-93C4-4BCD-93E2-E3B085C9AB24}">
+                <p16:designElem xmlns:p16="http://schemas.microsoft.com/office/powerpoint/2015/main" val="1"/>
+              </p:ext>
+            </p:extLst>
+          </p:nvPr>
+        </p:nvSpPr>
+        <p:spPr>
+          <a:xfrm flipH="1">
+            <a:off x="7922712" y="-8467"/>
+            <a:ext cx="2588558" cy="6866467"/>
+          </a:xfrm>
+          <a:custGeom>
+            <a:avLst/>
+            <a:gdLst/>
+            <a:ahLst/>
+            <a:cxnLst/>
+            <a:rect l="l" t="t" r="r" b="b"/>
+            <a:pathLst>
+              <a:path w="2573311" h="6866467">
+                <a:moveTo>
+                  <a:pt x="0" y="0"/>
+                </a:moveTo>
+                <a:lnTo>
+                  <a:pt x="2573311" y="0"/>
+                </a:lnTo>
+                <a:lnTo>
+                  <a:pt x="2573311" y="6866467"/>
+                </a:lnTo>
+                <a:lnTo>
+                  <a:pt x="1202336" y="6866467"/>
+                </a:lnTo>
+                <a:lnTo>
+                  <a:pt x="0" y="0"/>
+                </a:lnTo>
+                <a:close/>
+              </a:path>
+            </a:pathLst>
+          </a:custGeom>
+          <a:solidFill>
+            <a:schemeClr val="accent1">
+              <a:alpha val="20000"/>
+            </a:schemeClr>
+          </a:solidFill>
+          <a:ln>
+            <a:noFill/>
+          </a:ln>
+          <a:effectLst/>
+        </p:spPr>
+        <p:style>
+          <a:lnRef idx="1">
+            <a:schemeClr val="accent1"/>
+          </a:lnRef>
+          <a:fillRef idx="3">
+            <a:schemeClr val="accent1"/>
+          </a:fillRef>
+          <a:effectRef idx="2">
+            <a:schemeClr val="accent1"/>
+          </a:effectRef>
+          <a:fontRef idx="minor">
+            <a:schemeClr val="lt1"/>
+          </a:fontRef>
+        </p:style>
+      </p:sp>
+      <p:sp>
+        <p:nvSpPr>
+          <p:cNvPr id="18" name="Isosceles Triangle 17">
+            <a:extLst>
+              <a:ext uri="{FF2B5EF4-FFF2-40B4-BE49-F238E27FC236}">
+                <a16:creationId xmlns:a16="http://schemas.microsoft.com/office/drawing/2014/main" id="{3C195FC1-B568-4C72-9902-34CB35DDD7A1}"/>
+              </a:ext>
+              <a:ext uri="{C183D7F6-B498-43B3-948B-1728B52AA6E4}">
+                <adec:decorative xmlns:adec="http://schemas.microsoft.com/office/drawing/2017/decorative" val="1"/>
+              </a:ext>
+            </a:extLst>
+          </p:cNvPr>
+          <p:cNvSpPr>
+            <a:spLocks noGrp="1" noRot="1" noChangeAspect="1" noMove="1" noResize="1" noEditPoints="1" noAdjustHandles="1" noChangeArrowheads="1" noChangeShapeType="1" noTextEdit="1"/>
+          </p:cNvSpPr>
+          <p:nvPr>
+            <p:extLst>
+              <p:ext uri="{386F3935-93C4-4BCD-93E2-E3B085C9AB24}">
+                <p16:designElem xmlns:p16="http://schemas.microsoft.com/office/powerpoint/2015/main" val="1"/>
+              </p:ext>
+            </p:extLst>
+          </p:nvPr>
+        </p:nvSpPr>
+        <p:spPr>
+          <a:xfrm flipH="1">
+            <a:off x="7922712" y="3048000"/>
+            <a:ext cx="3259667" cy="3810000"/>
+          </a:xfrm>
+          <a:prstGeom prst="triangle">
+            <a:avLst>
+              <a:gd name="adj" fmla="val 100000"/>
+            </a:avLst>
+          </a:prstGeom>
+          <a:solidFill>
+            <a:schemeClr val="accent2">
+              <a:alpha val="72000"/>
+            </a:schemeClr>
+          </a:solidFill>
+          <a:ln>
+            <a:noFill/>
+          </a:ln>
+          <a:effectLst/>
+        </p:spPr>
+        <p:style>
+          <a:lnRef idx="1">
+            <a:schemeClr val="accent1"/>
+          </a:lnRef>
+          <a:fillRef idx="3">
+            <a:schemeClr val="accent1"/>
+          </a:fillRef>
+          <a:effectRef idx="2">
+            <a:schemeClr val="accent1"/>
+          </a:effectRef>
+          <a:fontRef idx="minor">
+            <a:schemeClr val="lt1"/>
+          </a:fontRef>
+        </p:style>
+      </p:sp>
+      <p:sp>
+        <p:nvSpPr>
+          <p:cNvPr id="20" name="Rectangle 27">
+            <a:extLst>
+              <a:ext uri="{FF2B5EF4-FFF2-40B4-BE49-F238E27FC236}">
+                <a16:creationId xmlns:a16="http://schemas.microsoft.com/office/drawing/2014/main" id="{EF2BDF77-362C-43F0-8CBB-A969EC2AE0C4}"/>
+              </a:ext>
+              <a:ext uri="{C183D7F6-B498-43B3-948B-1728B52AA6E4}">
+                <adec:decorative xmlns:adec="http://schemas.microsoft.com/office/drawing/2017/decorative" val="1"/>
+              </a:ext>
+            </a:extLst>
+          </p:cNvPr>
+          <p:cNvSpPr>
+            <a:spLocks noGrp="1" noRot="1" noChangeAspect="1" noMove="1" noResize="1" noEditPoints="1" noAdjustHandles="1" noChangeArrowheads="1" noChangeShapeType="1" noTextEdit="1"/>
+          </p:cNvSpPr>
+          <p:nvPr>
+            <p:extLst>
+              <p:ext uri="{386F3935-93C4-4BCD-93E2-E3B085C9AB24}">
+                <p16:designElem xmlns:p16="http://schemas.microsoft.com/office/powerpoint/2015/main" val="1"/>
+              </p:ext>
+            </p:extLst>
+          </p:nvPr>
+        </p:nvSpPr>
+        <p:spPr>
+          <a:xfrm flipH="1">
+            <a:off x="7925886" y="-8467"/>
+            <a:ext cx="2854326" cy="6866467"/>
+          </a:xfrm>
+          <a:custGeom>
+            <a:avLst/>
+            <a:gdLst/>
+            <a:ahLst/>
+            <a:cxnLst/>
+            <a:rect l="l" t="t" r="r" b="b"/>
+            <a:pathLst>
+              <a:path w="2858013" h="6866467">
+                <a:moveTo>
+                  <a:pt x="0" y="0"/>
+                </a:moveTo>
+                <a:lnTo>
+                  <a:pt x="2858013" y="0"/>
+                </a:lnTo>
+                <a:lnTo>
+                  <a:pt x="2858013" y="6866467"/>
+                </a:lnTo>
+                <a:lnTo>
+                  <a:pt x="2473942" y="6866467"/>
+                </a:lnTo>
+                <a:lnTo>
+                  <a:pt x="0" y="0"/>
+                </a:lnTo>
+                <a:close/>
+              </a:path>
+            </a:pathLst>
+          </a:custGeom>
+          <a:solidFill>
+            <a:schemeClr val="accent2">
+              <a:lumMod val="75000"/>
+              <a:alpha val="70000"/>
+            </a:schemeClr>
+          </a:solidFill>
+          <a:ln>
+            <a:noFill/>
+          </a:ln>
+          <a:effectLst/>
+        </p:spPr>
+        <p:style>
+          <a:lnRef idx="1">
+            <a:schemeClr val="accent1"/>
+          </a:lnRef>
+          <a:fillRef idx="3">
+            <a:schemeClr val="accent1"/>
+          </a:fillRef>
+          <a:effectRef idx="2">
+            <a:schemeClr val="accent1"/>
+          </a:effectRef>
+          <a:fontRef idx="minor">
+            <a:schemeClr val="lt1"/>
+          </a:fontRef>
+        </p:style>
+      </p:sp>
+      <p:sp>
+        <p:nvSpPr>
+          <p:cNvPr id="22" name="Isosceles Triangle 21">
+            <a:extLst>
+              <a:ext uri="{FF2B5EF4-FFF2-40B4-BE49-F238E27FC236}">
+                <a16:creationId xmlns:a16="http://schemas.microsoft.com/office/drawing/2014/main" id="{4BE96B01-3929-432D-B8C2-ADBCB74C2EF4}"/>
+              </a:ext>
+              <a:ext uri="{C183D7F6-B498-43B3-948B-1728B52AA6E4}">
+                <adec:decorative xmlns:adec="http://schemas.microsoft.com/office/drawing/2017/decorative" val="1"/>
+              </a:ext>
+            </a:extLst>
+          </p:cNvPr>
+          <p:cNvSpPr>
+            <a:spLocks noGrp="1" noRot="1" noChangeAspect="1" noMove="1" noResize="1" noEditPoints="1" noAdjustHandles="1" noChangeArrowheads="1" noChangeShapeType="1" noTextEdit="1"/>
+          </p:cNvSpPr>
+          <p:nvPr>
+            <p:extLst>
+              <p:ext uri="{386F3935-93C4-4BCD-93E2-E3B085C9AB24}">
+                <p16:designElem xmlns:p16="http://schemas.microsoft.com/office/powerpoint/2015/main" val="1"/>
+              </p:ext>
+            </p:extLst>
+          </p:nvPr>
+        </p:nvSpPr>
+        <p:spPr>
+          <a:xfrm flipH="1">
+            <a:off x="7925887" y="3589867"/>
+            <a:ext cx="1817159" cy="3268133"/>
+          </a:xfrm>
+          <a:prstGeom prst="triangle">
+            <a:avLst>
+              <a:gd name="adj" fmla="val 100000"/>
+            </a:avLst>
+          </a:prstGeom>
+          <a:solidFill>
+            <a:schemeClr val="accent1">
+              <a:alpha val="80000"/>
+            </a:schemeClr>
+          </a:solidFill>
+          <a:ln>
+            <a:noFill/>
+          </a:ln>
+          <a:effectLst/>
+        </p:spPr>
+        <p:style>
+          <a:lnRef idx="1">
+            <a:schemeClr val="accent1"/>
+          </a:lnRef>
+          <a:fillRef idx="3">
+            <a:schemeClr val="accent1"/>
+          </a:fillRef>
+          <a:effectRef idx="2">
+            <a:schemeClr val="accent1"/>
+          </a:effectRef>
+          <a:fontRef idx="minor">
+            <a:schemeClr val="lt1"/>
+          </a:fontRef>
+        </p:style>
+      </p:sp>
+      <p:sp>
+        <p:nvSpPr>
+          <p:cNvPr id="24" name="Freeform: Shape 23">
+            <a:extLst>
+              <a:ext uri="{FF2B5EF4-FFF2-40B4-BE49-F238E27FC236}">
+                <a16:creationId xmlns:a16="http://schemas.microsoft.com/office/drawing/2014/main" id="{2A6FCDE6-CDE2-4C51-B18E-A95CFB679714}"/>
+              </a:ext>
+              <a:ext uri="{C183D7F6-B498-43B3-948B-1728B52AA6E4}">
+                <adec:decorative xmlns:adec="http://schemas.microsoft.com/office/drawing/2017/decorative" val="1"/>
+              </a:ext>
+            </a:extLst>
+          </p:cNvPr>
+          <p:cNvSpPr>
+            <a:spLocks noGrp="1" noRot="1" noChangeAspect="1" noMove="1" noResize="1" noEditPoints="1" noAdjustHandles="1" noChangeArrowheads="1" noChangeShapeType="1" noTextEdit="1"/>
+          </p:cNvSpPr>
+          <p:nvPr>
+            <p:extLst>
+              <p:ext uri="{386F3935-93C4-4BCD-93E2-E3B085C9AB24}">
+                <p16:designElem xmlns:p16="http://schemas.microsoft.com/office/powerpoint/2015/main" val="1"/>
+              </p:ext>
+            </p:extLst>
+          </p:nvPr>
+        </p:nvSpPr>
+        <p:spPr>
+          <a:xfrm flipH="1">
+            <a:off x="0" y="-8467"/>
+            <a:ext cx="9175713" cy="6866467"/>
+          </a:xfrm>
+          <a:custGeom>
+            <a:avLst/>
+            <a:gdLst>
+              <a:gd name="connsiteX0" fmla="*/ 0 w 9175713"/>
+              <a:gd name="connsiteY0" fmla="*/ 0 h 6866467"/>
+              <a:gd name="connsiteX1" fmla="*/ 1249825 w 9175713"/>
+              <a:gd name="connsiteY1" fmla="*/ 0 h 6866467"/>
+              <a:gd name="connsiteX2" fmla="*/ 1249825 w 9175713"/>
+              <a:gd name="connsiteY2" fmla="*/ 8467 h 6866467"/>
+              <a:gd name="connsiteX3" fmla="*/ 9175713 w 9175713"/>
+              <a:gd name="connsiteY3" fmla="*/ 8467 h 6866467"/>
+              <a:gd name="connsiteX4" fmla="*/ 9175713 w 9175713"/>
+              <a:gd name="connsiteY4" fmla="*/ 6866467 h 6866467"/>
+              <a:gd name="connsiteX5" fmla="*/ 1249825 w 9175713"/>
+              <a:gd name="connsiteY5" fmla="*/ 6866467 h 6866467"/>
+              <a:gd name="connsiteX6" fmla="*/ 1109382 w 9175713"/>
+              <a:gd name="connsiteY6" fmla="*/ 6866467 h 6866467"/>
+            </a:gdLst>
+            <a:ahLst/>
+            <a:cxnLst>
+              <a:cxn ang="0">
+                <a:pos x="connsiteX0" y="connsiteY0"/>
+              </a:cxn>
+              <a:cxn ang="0">
+                <a:pos x="connsiteX1" y="connsiteY1"/>
+              </a:cxn>
+              <a:cxn ang="0">
+                <a:pos x="connsiteX2" y="connsiteY2"/>
+              </a:cxn>
+              <a:cxn ang="0">
+                <a:pos x="connsiteX3" y="connsiteY3"/>
+              </a:cxn>
+              <a:cxn ang="0">
+                <a:pos x="connsiteX4" y="connsiteY4"/>
+              </a:cxn>
+              <a:cxn ang="0">
+                <a:pos x="connsiteX5" y="connsiteY5"/>
+              </a:cxn>
+              <a:cxn ang="0">
+                <a:pos x="connsiteX6" y="connsiteY6"/>
+              </a:cxn>
+            </a:cxnLst>
+            <a:rect l="l" t="t" r="r" b="b"/>
+            <a:pathLst>
+              <a:path w="9175713" h="6866467">
+                <a:moveTo>
+                  <a:pt x="0" y="0"/>
+                </a:moveTo>
+                <a:lnTo>
+                  <a:pt x="1249825" y="0"/>
+                </a:lnTo>
+                <a:lnTo>
+                  <a:pt x="1249825" y="8467"/>
+                </a:lnTo>
+                <a:lnTo>
+                  <a:pt x="9175713" y="8467"/>
+                </a:lnTo>
+                <a:lnTo>
+                  <a:pt x="9175713" y="6866467"/>
+                </a:lnTo>
+                <a:lnTo>
+                  <a:pt x="1249825" y="6866467"/>
+                </a:lnTo>
+                <a:lnTo>
+                  <a:pt x="1109382" y="6866467"/>
+                </a:lnTo>
+                <a:close/>
+              </a:path>
+            </a:pathLst>
+          </a:custGeom>
+          <a:solidFill>
+            <a:schemeClr val="accent1"/>
+          </a:solidFill>
+          <a:ln>
+            <a:noFill/>
+          </a:ln>
+        </p:spPr>
+        <p:style>
+          <a:lnRef idx="2">
+            <a:schemeClr val="accent1">
+              <a:shade val="50000"/>
+            </a:schemeClr>
+          </a:lnRef>
+          <a:fillRef idx="1">
+            <a:schemeClr val="accent1"/>
+          </a:fillRef>
+          <a:effectRef idx="0">
+            <a:schemeClr val="accent1"/>
+          </a:effectRef>
+          <a:fontRef idx="minor">
+            <a:schemeClr val="lt1"/>
+          </a:fontRef>
+        </p:style>
+        <p:txBody>
+          <a:bodyPr rtlCol="0" anchor="ctr"/>
+          <a:lstStyle/>
+          <a:p>
+            <a:pPr algn="ctr"/>
+            <a:endParaRPr lang="en-US"/>
+          </a:p>
+        </p:txBody>
+      </p:sp>
       <p:sp>
         <p:nvSpPr>
           <p:cNvPr id="2" name="Titolo 1">
@@ -5858,16 +6523,32 @@
             <p:ph type="ctrTitle"/>
           </p:nvPr>
         </p:nvSpPr>
-        <p:spPr/>
-        <p:txBody>
-          <a:bodyPr/>
+        <p:spPr>
+          <a:xfrm>
+            <a:off x="1554120" y="1020871"/>
+            <a:ext cx="6960759" cy="2849671"/>
+          </a:xfrm>
+        </p:spPr>
+        <p:txBody>
+          <a:bodyPr>
+            <a:normAutofit/>
+          </a:bodyPr>
           <a:lstStyle/>
           <a:p>
-            <a:r>
-              <a:rPr lang="en-US" dirty="0" err="1"/>
+            <a:pPr algn="l"/>
+            <a:r>
+              <a:rPr lang="en-US" sz="6600">
+                <a:solidFill>
+                  <a:srgbClr val="FFFFFF"/>
+                </a:solidFill>
+              </a:rPr>
               <a:t>NextRoom</a:t>
             </a:r>
-            <a:endParaRPr lang="en-US" dirty="0"/>
+            <a:endParaRPr lang="en-US" sz="6600" dirty="0">
+              <a:solidFill>
+                <a:srgbClr val="FFFFFF"/>
+              </a:solidFill>
+            </a:endParaRPr>
           </a:p>
         </p:txBody>
       </p:sp>
@@ -5887,20 +6568,193 @@
             <p:ph type="subTitle" idx="1"/>
           </p:nvPr>
         </p:nvSpPr>
-        <p:spPr/>
-        <p:txBody>
-          <a:bodyPr/>
+        <p:spPr>
+          <a:xfrm>
+            <a:off x="1683088" y="3962088"/>
+            <a:ext cx="6112077" cy="698977"/>
+          </a:xfrm>
+        </p:spPr>
+        <p:txBody>
+          <a:bodyPr>
+            <a:normAutofit/>
+          </a:bodyPr>
           <a:lstStyle/>
           <a:p>
-            <a:r>
-              <a:rPr lang="it-IT" dirty="0" err="1"/>
+            <a:pPr algn="l"/>
+            <a:r>
+              <a:rPr lang="it-IT" sz="2000" dirty="0" err="1">
+                <a:solidFill>
+                  <a:srgbClr val="FFFFFF">
+                    <a:alpha val="70000"/>
+                  </a:srgbClr>
+                </a:solidFill>
+              </a:rPr>
               <a:t>temporary</a:t>
             </a:r>
             <a:r>
-              <a:rPr lang="it-IT" dirty="0"/>
+              <a:rPr lang="it-IT" sz="2000" dirty="0">
+                <a:solidFill>
+                  <a:srgbClr val="FFFFFF">
+                    <a:alpha val="70000"/>
+                  </a:srgbClr>
+                </a:solidFill>
+              </a:rPr>
               <a:t> name</a:t>
             </a:r>
-            <a:endParaRPr lang="en-US" dirty="0"/>
+            <a:endParaRPr lang="en-US" sz="2000" dirty="0">
+              <a:solidFill>
+                <a:srgbClr val="FFFFFF">
+                  <a:alpha val="70000"/>
+                </a:srgbClr>
+              </a:solidFill>
+            </a:endParaRPr>
+          </a:p>
+        </p:txBody>
+      </p:sp>
+      <p:sp>
+        <p:nvSpPr>
+          <p:cNvPr id="26" name="Isosceles Triangle 25">
+            <a:extLst>
+              <a:ext uri="{FF2B5EF4-FFF2-40B4-BE49-F238E27FC236}">
+                <a16:creationId xmlns:a16="http://schemas.microsoft.com/office/drawing/2014/main" id="{9D2E8756-2465-473A-BA2A-2DB1D6224745}"/>
+              </a:ext>
+              <a:ext uri="{C183D7F6-B498-43B3-948B-1728B52AA6E4}">
+                <adec:decorative xmlns:adec="http://schemas.microsoft.com/office/drawing/2017/decorative" val="1"/>
+              </a:ext>
+            </a:extLst>
+          </p:cNvPr>
+          <p:cNvSpPr>
+            <a:spLocks noGrp="1" noRot="1" noChangeAspect="1" noMove="1" noResize="1" noEditPoints="1" noAdjustHandles="1" noChangeArrowheads="1" noChangeShapeType="1" noTextEdit="1"/>
+          </p:cNvSpPr>
+          <p:nvPr>
+            <p:extLst>
+              <p:ext uri="{386F3935-93C4-4BCD-93E2-E3B085C9AB24}">
+                <p16:designElem xmlns:p16="http://schemas.microsoft.com/office/powerpoint/2015/main" val="1"/>
+              </p:ext>
+            </p:extLst>
+          </p:nvPr>
+        </p:nvSpPr>
+        <p:spPr>
+          <a:xfrm rot="5400000">
+            <a:off x="992146" y="3271487"/>
+            <a:ext cx="220660" cy="186439"/>
+          </a:xfrm>
+          <a:prstGeom prst="triangle">
+            <a:avLst/>
+          </a:prstGeom>
+          <a:solidFill>
+            <a:srgbClr val="FFFFFF"/>
+          </a:solidFill>
+          <a:ln>
+            <a:noFill/>
+          </a:ln>
+        </p:spPr>
+        <p:style>
+          <a:lnRef idx="2">
+            <a:schemeClr val="accent1">
+              <a:shade val="50000"/>
+            </a:schemeClr>
+          </a:lnRef>
+          <a:fillRef idx="1">
+            <a:schemeClr val="accent1"/>
+          </a:fillRef>
+          <a:effectRef idx="0">
+            <a:schemeClr val="accent1"/>
+          </a:effectRef>
+          <a:fontRef idx="minor">
+            <a:schemeClr val="lt1"/>
+          </a:fontRef>
+        </p:style>
+        <p:txBody>
+          <a:bodyPr rtlCol="0" anchor="ctr"/>
+          <a:lstStyle/>
+          <a:p>
+            <a:pPr algn="ctr"/>
+            <a:endParaRPr lang="en-US"/>
+          </a:p>
+        </p:txBody>
+      </p:sp>
+      <p:sp>
+        <p:nvSpPr>
+          <p:cNvPr id="5" name="CasellaDiTesto 4">
+            <a:extLst>
+              <a:ext uri="{FF2B5EF4-FFF2-40B4-BE49-F238E27FC236}">
+                <a16:creationId xmlns:a16="http://schemas.microsoft.com/office/drawing/2014/main" id="{1091C58B-3E3C-42A9-B130-0BFCFFB7492C}"/>
+              </a:ext>
+            </a:extLst>
+          </p:cNvPr>
+          <p:cNvSpPr txBox="1"/>
+          <p:nvPr/>
+        </p:nvSpPr>
+        <p:spPr>
+          <a:xfrm>
+            <a:off x="1568464" y="5148196"/>
+            <a:ext cx="3819353" cy="923330"/>
+          </a:xfrm>
+          <a:prstGeom prst="rect">
+            <a:avLst/>
+          </a:prstGeom>
+          <a:noFill/>
+        </p:spPr>
+        <p:txBody>
+          <a:bodyPr wrap="square" rtlCol="0">
+            <a:spAutoFit/>
+          </a:bodyPr>
+          <a:lstStyle/>
+          <a:p>
+            <a:pPr marL="285750" indent="-285750">
+              <a:buFont typeface="Arial" panose="020B0604020202020204" pitchFamily="34" charset="0"/>
+              <a:buChar char="•"/>
+            </a:pPr>
+            <a:r>
+              <a:rPr lang="it-IT" dirty="0" err="1">
+                <a:solidFill>
+                  <a:schemeClr val="bg1"/>
+                </a:solidFill>
+              </a:rPr>
+              <a:t>Alireza</a:t>
+            </a:r>
+            <a:r>
+              <a:rPr lang="it-IT" dirty="0">
+                <a:solidFill>
+                  <a:schemeClr val="bg1"/>
+                </a:solidFill>
+              </a:rPr>
+              <a:t> Iran Pour</a:t>
+            </a:r>
+          </a:p>
+          <a:p>
+            <a:pPr marL="285750" indent="-285750">
+              <a:buFont typeface="Arial" panose="020B0604020202020204" pitchFamily="34" charset="0"/>
+              <a:buChar char="•"/>
+            </a:pPr>
+            <a:r>
+              <a:rPr lang="it-IT" dirty="0">
+                <a:solidFill>
+                  <a:schemeClr val="bg1"/>
+                </a:solidFill>
+              </a:rPr>
+              <a:t>Nicolò Palmiero</a:t>
+            </a:r>
+          </a:p>
+          <a:p>
+            <a:pPr marL="285750" indent="-285750">
+              <a:buFont typeface="Arial" panose="020B0604020202020204" pitchFamily="34" charset="0"/>
+              <a:buChar char="•"/>
+            </a:pPr>
+            <a:r>
+              <a:rPr lang="it-IT" dirty="0">
+                <a:solidFill>
+                  <a:schemeClr val="bg1"/>
+                </a:solidFill>
+              </a:rPr>
+              <a:t>Luigi Sigillo</a:t>
+            </a:r>
+            <a:endParaRPr lang="en-US" dirty="0">
+              <a:solidFill>
+                <a:schemeClr val="bg1"/>
+              </a:solidFill>
+            </a:endParaRPr>
           </a:p>
         </p:txBody>
       </p:sp>
@@ -5920,6 +6774,14 @@
 <file path=ppt/slides/slide10.xml><?xml version="1.0" encoding="utf-8"?>
 <p:sld xmlns:a="http://schemas.openxmlformats.org/drawingml/2006/main" xmlns:r="http://schemas.openxmlformats.org/officeDocument/2006/relationships" xmlns:p="http://schemas.openxmlformats.org/presentationml/2006/main">
   <p:cSld>
+    <p:bg>
+      <p:bgPr>
+        <a:solidFill>
+          <a:schemeClr val="bg1"/>
+        </a:solidFill>
+        <a:effectLst/>
+      </p:bgPr>
+    </p:bg>
     <p:spTree>
       <p:nvGrpSpPr>
         <p:cNvPr id="1" name=""/>
@@ -5950,20 +6812,22 @@
             <p:ph type="title"/>
           </p:nvPr>
         </p:nvSpPr>
-        <p:spPr/>
-        <p:txBody>
-          <a:bodyPr/>
+        <p:spPr>
+          <a:xfrm>
+            <a:off x="4349123" y="609600"/>
+            <a:ext cx="4924878" cy="1320800"/>
+          </a:xfrm>
+        </p:spPr>
+        <p:txBody>
+          <a:bodyPr vert="horz" lIns="91440" tIns="45720" rIns="91440" bIns="45720" rtlCol="0" anchor="ctr">
+            <a:normAutofit/>
+          </a:bodyPr>
           <a:lstStyle/>
           <a:p>
             <a:r>
-              <a:rPr lang="it-IT" dirty="0" err="1"/>
-              <a:t>Typical</a:t>
-            </a:r>
-            <a:r>
-              <a:rPr lang="it-IT" dirty="0"/>
-              <a:t> scenario</a:t>
-            </a:r>
-            <a:endParaRPr lang="en-US" dirty="0"/>
+              <a:rPr lang="en-US"/>
+              <a:t>Typical scenario</a:t>
+            </a:r>
           </a:p>
         </p:txBody>
       </p:sp>
@@ -5997,9 +6861,12 @@
         </p:blipFill>
         <p:spPr>
           <a:xfrm>
-            <a:off x="1459748" y="2609715"/>
-            <a:ext cx="1819275" cy="2781300"/>
+            <a:off x="799814" y="870263"/>
+            <a:ext cx="3251701" cy="4964429"/>
           </a:xfrm>
+          <a:prstGeom prst="rect">
+            <a:avLst/>
+          </a:prstGeom>
         </p:spPr>
       </p:pic>
       <p:sp>
@@ -6016,52 +6883,65 @@
         </p:nvSpPr>
         <p:spPr>
           <a:xfrm>
-            <a:off x="6306346" y="2064325"/>
-            <a:ext cx="3835730" cy="646331"/>
+            <a:off x="4349123" y="2160590"/>
+            <a:ext cx="4924878" cy="1320800"/>
           </a:xfrm>
           <a:prstGeom prst="rect">
             <a:avLst/>
           </a:prstGeom>
-          <a:noFill/>
         </p:spPr>
         <p:txBody>
-          <a:bodyPr wrap="square" rtlCol="0">
-            <a:spAutoFit/>
+          <a:bodyPr vert="horz" lIns="91440" tIns="45720" rIns="91440" bIns="45720" rtlCol="0">
+            <a:normAutofit/>
           </a:bodyPr>
           <a:lstStyle/>
           <a:p>
             <a:pPr marL="285750" indent="-285750">
-              <a:buFont typeface="Arial" panose="020B0604020202020204" pitchFamily="34" charset="0"/>
-              <a:buChar char="•"/>
+              <a:spcBef>
+                <a:spcPts val="1000"/>
+              </a:spcBef>
+              <a:buClr>
+                <a:schemeClr val="accent1"/>
+              </a:buClr>
+              <a:buSzPct val="80000"/>
+              <a:buFont typeface="Wingdings 3" charset="2"/>
+              <a:buChar char=""/>
             </a:pPr>
             <a:r>
-              <a:rPr lang="it-IT" dirty="0"/>
-              <a:t>BLE </a:t>
-            </a:r>
-            <a:r>
-              <a:rPr lang="it-IT" dirty="0" err="1"/>
-              <a:t>technology</a:t>
-            </a:r>
-            <a:endParaRPr lang="it-IT" dirty="0"/>
+              <a:rPr lang="en-US" dirty="0">
+                <a:solidFill>
+                  <a:schemeClr val="tx1">
+                    <a:lumMod val="75000"/>
+                    <a:lumOff val="25000"/>
+                  </a:schemeClr>
+                </a:solidFill>
+              </a:rPr>
+              <a:t>BLE technology</a:t>
+            </a:r>
           </a:p>
           <a:p>
             <a:pPr marL="285750" indent="-285750">
-              <a:buFont typeface="Arial" panose="020B0604020202020204" pitchFamily="34" charset="0"/>
-              <a:buChar char="•"/>
+              <a:spcBef>
+                <a:spcPts val="1000"/>
+              </a:spcBef>
+              <a:buClr>
+                <a:schemeClr val="accent1"/>
+              </a:buClr>
+              <a:buSzPct val="80000"/>
+              <a:buFont typeface="Wingdings 3" charset="2"/>
+              <a:buChar char=""/>
             </a:pPr>
             <a:r>
-              <a:rPr lang="it-IT" dirty="0"/>
-              <a:t>Bluetooth beacon </a:t>
-            </a:r>
-            <a:r>
-              <a:rPr lang="it-IT" dirty="0" err="1"/>
-              <a:t>functionality</a:t>
-            </a:r>
-            <a:r>
-              <a:rPr lang="it-IT" dirty="0"/>
-              <a:t> </a:t>
-            </a:r>
-            <a:endParaRPr lang="en-US" dirty="0"/>
+              <a:rPr lang="en-US" dirty="0">
+                <a:solidFill>
+                  <a:schemeClr val="tx1">
+                    <a:lumMod val="75000"/>
+                    <a:lumOff val="25000"/>
+                  </a:schemeClr>
+                </a:solidFill>
+              </a:rPr>
+              <a:t>Bluetooth beacon functionality </a:t>
+            </a:r>
           </a:p>
         </p:txBody>
       </p:sp>
@@ -6081,6 +6961,14 @@
 <file path=ppt/slides/slide11.xml><?xml version="1.0" encoding="utf-8"?>
 <p:sld xmlns:a="http://schemas.openxmlformats.org/drawingml/2006/main" xmlns:r="http://schemas.openxmlformats.org/officeDocument/2006/relationships" xmlns:p="http://schemas.openxmlformats.org/presentationml/2006/main">
   <p:cSld>
+    <p:bg>
+      <p:bgPr>
+        <a:solidFill>
+          <a:schemeClr val="bg1"/>
+        </a:solidFill>
+        <a:effectLst/>
+      </p:bgPr>
+    </p:bg>
     <p:spTree>
       <p:nvGrpSpPr>
         <p:cNvPr id="1" name=""/>
@@ -6095,6 +6983,41 @@
           <a:chExt cx="0" cy="0"/>
         </a:xfrm>
       </p:grpSpPr>
+      <p:sp>
+        <p:nvSpPr>
+          <p:cNvPr id="6" name="Titolo 1">
+            <a:extLst>
+              <a:ext uri="{FF2B5EF4-FFF2-40B4-BE49-F238E27FC236}">
+                <a16:creationId xmlns:a16="http://schemas.microsoft.com/office/drawing/2014/main" id="{D1F7B3F1-2508-47C1-BEAA-17F323F3BB42}"/>
+              </a:ext>
+            </a:extLst>
+          </p:cNvPr>
+          <p:cNvSpPr>
+            <a:spLocks noGrp="1"/>
+          </p:cNvSpPr>
+          <p:nvPr>
+            <p:ph type="title"/>
+          </p:nvPr>
+        </p:nvSpPr>
+        <p:spPr>
+          <a:xfrm>
+            <a:off x="677334" y="609600"/>
+            <a:ext cx="8596668" cy="1320800"/>
+          </a:xfrm>
+        </p:spPr>
+        <p:txBody>
+          <a:bodyPr vert="horz" lIns="91440" tIns="45720" rIns="91440" bIns="45720" rtlCol="0" anchor="t">
+            <a:normAutofit/>
+          </a:bodyPr>
+          <a:lstStyle/>
+          <a:p>
+            <a:r>
+              <a:rPr lang="en-US"/>
+              <a:t>The Things Network</a:t>
+            </a:r>
+          </a:p>
+        </p:txBody>
+      </p:sp>
       <p:pic>
         <p:nvPicPr>
           <p:cNvPr id="5" name="Segnaposto contenuto 4" descr="Immagine che contiene mappa&#10;&#10;Descrizione generata automaticamente">
@@ -6125,9 +7048,12 @@
         </p:blipFill>
         <p:spPr>
           <a:xfrm>
-            <a:off x="1229415" y="2140022"/>
-            <a:ext cx="4524375" cy="3257550"/>
+            <a:off x="817474" y="2159331"/>
+            <a:ext cx="5283289" cy="3803968"/>
           </a:xfrm>
+          <a:prstGeom prst="rect">
+            <a:avLst/>
+          </a:prstGeom>
         </p:spPr>
       </p:pic>
       <p:sp>
@@ -6144,98 +7070,76 @@
         </p:nvSpPr>
         <p:spPr>
           <a:xfrm>
-            <a:off x="6372771" y="3445631"/>
-            <a:ext cx="3835730" cy="646331"/>
+            <a:off x="6416039" y="2160589"/>
+            <a:ext cx="2927185" cy="3880773"/>
           </a:xfrm>
           <a:prstGeom prst="rect">
             <a:avLst/>
           </a:prstGeom>
-          <a:noFill/>
         </p:spPr>
         <p:txBody>
-          <a:bodyPr wrap="square" rtlCol="0">
-            <a:spAutoFit/>
+          <a:bodyPr vert="horz" lIns="91440" tIns="45720" rIns="91440" bIns="45720" rtlCol="0">
+            <a:normAutofit/>
           </a:bodyPr>
           <a:lstStyle/>
           <a:p>
             <a:pPr marL="285750" indent="-285750">
-              <a:buFont typeface="Arial" panose="020B0604020202020204" pitchFamily="34" charset="0"/>
-              <a:buChar char="•"/>
+              <a:spcBef>
+                <a:spcPts val="1000"/>
+              </a:spcBef>
+              <a:buClr>
+                <a:schemeClr val="accent1"/>
+              </a:buClr>
+              <a:buSzPct val="80000"/>
+              <a:buFont typeface="Wingdings 3" charset="2"/>
+              <a:buChar char=""/>
             </a:pPr>
             <a:r>
-              <a:rPr lang="it-IT" dirty="0" err="1"/>
+              <a:rPr lang="en-US" sz="1500" dirty="0" err="1">
+                <a:solidFill>
+                  <a:schemeClr val="tx1">
+                    <a:lumMod val="75000"/>
+                    <a:lumOff val="25000"/>
+                  </a:schemeClr>
+                </a:solidFill>
+              </a:rPr>
               <a:t>LoRaWAN</a:t>
             </a:r>
             <a:r>
-              <a:rPr lang="it-IT" dirty="0"/>
-              <a:t> </a:t>
-            </a:r>
-            <a:r>
-              <a:rPr lang="it-IT" dirty="0" err="1"/>
-              <a:t>technology</a:t>
-            </a:r>
-            <a:endParaRPr lang="it-IT" dirty="0"/>
+              <a:rPr lang="en-US" sz="1500" dirty="0">
+                <a:solidFill>
+                  <a:schemeClr val="tx1">
+                    <a:lumMod val="75000"/>
+                    <a:lumOff val="25000"/>
+                  </a:schemeClr>
+                </a:solidFill>
+              </a:rPr>
+              <a:t> technology</a:t>
+            </a:r>
           </a:p>
           <a:p>
             <a:pPr marL="285750" indent="-285750">
-              <a:buFont typeface="Arial" panose="020B0604020202020204" pitchFamily="34" charset="0"/>
-              <a:buChar char="•"/>
+              <a:spcBef>
+                <a:spcPts val="1000"/>
+              </a:spcBef>
+              <a:buClr>
+                <a:schemeClr val="accent1"/>
+              </a:buClr>
+              <a:buSzPct val="80000"/>
+              <a:buFont typeface="Wingdings 3" charset="2"/>
+              <a:buChar char=""/>
             </a:pPr>
             <a:r>
-              <a:rPr lang="it-IT" dirty="0"/>
-              <a:t>The </a:t>
-            </a:r>
-            <a:r>
-              <a:rPr lang="it-IT" dirty="0" err="1"/>
-              <a:t>Things</a:t>
-            </a:r>
-            <a:r>
-              <a:rPr lang="it-IT" dirty="0"/>
-              <a:t> Network services </a:t>
-            </a:r>
-            <a:endParaRPr lang="en-US" dirty="0"/>
-          </a:p>
-        </p:txBody>
-      </p:sp>
-      <p:sp>
-        <p:nvSpPr>
-          <p:cNvPr id="6" name="Titolo 1">
-            <a:extLst>
-              <a:ext uri="{FF2B5EF4-FFF2-40B4-BE49-F238E27FC236}">
-                <a16:creationId xmlns:a16="http://schemas.microsoft.com/office/drawing/2014/main" id="{D1F7B3F1-2508-47C1-BEAA-17F323F3BB42}"/>
-              </a:ext>
-            </a:extLst>
-          </p:cNvPr>
-          <p:cNvSpPr>
-            <a:spLocks noGrp="1"/>
-          </p:cNvSpPr>
-          <p:nvPr>
-            <p:ph type="title"/>
-          </p:nvPr>
-        </p:nvSpPr>
-        <p:spPr>
-          <a:xfrm>
-            <a:off x="677334" y="609600"/>
-            <a:ext cx="8596668" cy="1320800"/>
-          </a:xfrm>
-        </p:spPr>
-        <p:txBody>
-          <a:bodyPr/>
-          <a:lstStyle/>
-          <a:p>
-            <a:r>
-              <a:rPr lang="it-IT" dirty="0"/>
-              <a:t>The </a:t>
-            </a:r>
-            <a:r>
-              <a:rPr lang="it-IT" dirty="0" err="1"/>
-              <a:t>Things</a:t>
-            </a:r>
-            <a:r>
-              <a:rPr lang="it-IT" dirty="0"/>
-              <a:t> Network</a:t>
-            </a:r>
-            <a:endParaRPr lang="en-US" dirty="0"/>
+              <a:rPr lang="en-US" sz="1500" dirty="0">
+                <a:solidFill>
+                  <a:schemeClr val="tx1">
+                    <a:lumMod val="75000"/>
+                    <a:lumOff val="25000"/>
+                  </a:schemeClr>
+                </a:solidFill>
+              </a:rPr>
+              <a:t>The Things Network services </a:t>
+            </a:r>
           </a:p>
         </p:txBody>
       </p:sp>
@@ -6255,6 +7159,14 @@
 <file path=ppt/slides/slide12.xml><?xml version="1.0" encoding="utf-8"?>
 <p:sld xmlns:a="http://schemas.openxmlformats.org/drawingml/2006/main" xmlns:r="http://schemas.openxmlformats.org/officeDocument/2006/relationships" xmlns:p="http://schemas.openxmlformats.org/presentationml/2006/main">
   <p:cSld>
+    <p:bg>
+      <p:bgPr>
+        <a:solidFill>
+          <a:schemeClr val="bg1"/>
+        </a:solidFill>
+        <a:effectLst/>
+      </p:bgPr>
+    </p:bg>
     <p:spTree>
       <p:nvGrpSpPr>
         <p:cNvPr id="1" name=""/>
@@ -6285,16 +7197,22 @@
             <p:ph type="title"/>
           </p:nvPr>
         </p:nvSpPr>
-        <p:spPr/>
-        <p:txBody>
-          <a:bodyPr/>
+        <p:spPr>
+          <a:xfrm>
+            <a:off x="677334" y="609600"/>
+            <a:ext cx="8596668" cy="1320800"/>
+          </a:xfrm>
+        </p:spPr>
+        <p:txBody>
+          <a:bodyPr vert="horz" lIns="91440" tIns="45720" rIns="91440" bIns="45720" rtlCol="0" anchor="t">
+            <a:normAutofit/>
+          </a:bodyPr>
           <a:lstStyle/>
           <a:p>
             <a:r>
-              <a:rPr lang="it-IT" dirty="0"/>
+              <a:rPr lang="en-US"/>
               <a:t>Cloud Services</a:t>
             </a:r>
-            <a:endParaRPr lang="en-US" dirty="0"/>
           </a:p>
         </p:txBody>
       </p:sp>
@@ -6328,9 +7246,12 @@
         </p:blipFill>
         <p:spPr>
           <a:xfrm>
-            <a:off x="736710" y="1364435"/>
-            <a:ext cx="8391525" cy="3257550"/>
+            <a:off x="864539" y="1560938"/>
+            <a:ext cx="7978696" cy="3091744"/>
           </a:xfrm>
+          <a:prstGeom prst="rect">
+            <a:avLst/>
+          </a:prstGeom>
         </p:spPr>
       </p:pic>
       <p:sp>
@@ -6347,64 +7268,113 @@
         </p:nvSpPr>
         <p:spPr>
           <a:xfrm>
-            <a:off x="5813522" y="3471551"/>
-            <a:ext cx="3835730" cy="1200329"/>
+            <a:off x="6738769" y="3625060"/>
+            <a:ext cx="2927185" cy="3880773"/>
           </a:xfrm>
           <a:prstGeom prst="rect">
             <a:avLst/>
           </a:prstGeom>
-          <a:noFill/>
         </p:spPr>
         <p:txBody>
-          <a:bodyPr wrap="square" rtlCol="0">
-            <a:spAutoFit/>
+          <a:bodyPr vert="horz" lIns="91440" tIns="45720" rIns="91440" bIns="45720" rtlCol="0">
+            <a:normAutofit/>
           </a:bodyPr>
           <a:lstStyle/>
           <a:p>
             <a:pPr marL="285750" indent="-285750">
-              <a:buFont typeface="Arial" panose="020B0604020202020204" pitchFamily="34" charset="0"/>
-              <a:buChar char="•"/>
+              <a:spcBef>
+                <a:spcPts val="1000"/>
+              </a:spcBef>
+              <a:buClr>
+                <a:schemeClr val="accent1"/>
+              </a:buClr>
+              <a:buSzPct val="80000"/>
+              <a:buFont typeface="Wingdings 3" charset="2"/>
+              <a:buChar char=""/>
             </a:pPr>
             <a:r>
-              <a:rPr lang="it-IT" dirty="0"/>
+              <a:rPr lang="en-US" sz="1500" dirty="0">
+                <a:solidFill>
+                  <a:schemeClr val="tx1">
+                    <a:lumMod val="75000"/>
+                    <a:lumOff val="25000"/>
+                  </a:schemeClr>
+                </a:solidFill>
+              </a:rPr>
               <a:t>Azure Cloud services</a:t>
             </a:r>
           </a:p>
           <a:p>
             <a:pPr marL="742950" lvl="1" indent="-285750">
-              <a:buFont typeface="Arial" panose="020B0604020202020204" pitchFamily="34" charset="0"/>
-              <a:buChar char="•"/>
+              <a:spcBef>
+                <a:spcPts val="1000"/>
+              </a:spcBef>
+              <a:buClr>
+                <a:schemeClr val="accent1"/>
+              </a:buClr>
+              <a:buSzPct val="80000"/>
+              <a:buFont typeface="Wingdings 3" charset="2"/>
+              <a:buChar char=""/>
             </a:pPr>
             <a:r>
-              <a:rPr lang="it-IT" dirty="0"/>
-              <a:t>Azure </a:t>
-            </a:r>
-            <a:r>
-              <a:rPr lang="it-IT" dirty="0" err="1"/>
-              <a:t>Function</a:t>
-            </a:r>
-            <a:endParaRPr lang="it-IT" dirty="0"/>
+              <a:rPr lang="en-US" sz="1500" dirty="0">
+                <a:solidFill>
+                  <a:schemeClr val="tx1">
+                    <a:lumMod val="75000"/>
+                    <a:lumOff val="25000"/>
+                  </a:schemeClr>
+                </a:solidFill>
+              </a:rPr>
+              <a:t>Azure Function</a:t>
+            </a:r>
           </a:p>
           <a:p>
             <a:pPr marL="742950" lvl="1" indent="-285750">
-              <a:buFont typeface="Arial" panose="020B0604020202020204" pitchFamily="34" charset="0"/>
-              <a:buChar char="•"/>
+              <a:spcBef>
+                <a:spcPts val="1000"/>
+              </a:spcBef>
+              <a:buClr>
+                <a:schemeClr val="accent1"/>
+              </a:buClr>
+              <a:buSzPct val="80000"/>
+              <a:buFont typeface="Wingdings 3" charset="2"/>
+              <a:buChar char=""/>
             </a:pPr>
             <a:r>
-              <a:rPr lang="it-IT" dirty="0"/>
+              <a:rPr lang="en-US" sz="1500" dirty="0">
+                <a:solidFill>
+                  <a:schemeClr val="tx1">
+                    <a:lumMod val="75000"/>
+                    <a:lumOff val="25000"/>
+                  </a:schemeClr>
+                </a:solidFill>
+              </a:rPr>
               <a:t>Azure IoT Hub</a:t>
             </a:r>
           </a:p>
           <a:p>
             <a:pPr marL="742950" lvl="1" indent="-285750">
-              <a:buFont typeface="Arial" panose="020B0604020202020204" pitchFamily="34" charset="0"/>
-              <a:buChar char="•"/>
+              <a:spcBef>
+                <a:spcPts val="1000"/>
+              </a:spcBef>
+              <a:buClr>
+                <a:schemeClr val="accent1"/>
+              </a:buClr>
+              <a:buSzPct val="80000"/>
+              <a:buFont typeface="Wingdings 3" charset="2"/>
+              <a:buChar char=""/>
             </a:pPr>
             <a:r>
-              <a:rPr lang="it-IT" dirty="0"/>
+              <a:rPr lang="en-US" sz="1500" dirty="0">
+                <a:solidFill>
+                  <a:schemeClr val="tx1">
+                    <a:lumMod val="75000"/>
+                    <a:lumOff val="25000"/>
+                  </a:schemeClr>
+                </a:solidFill>
+              </a:rPr>
               <a:t>Azure SQL DB</a:t>
             </a:r>
-            <a:endParaRPr lang="en-US" dirty="0"/>
           </a:p>
         </p:txBody>
       </p:sp>
@@ -6424,6 +7394,14 @@
 <file path=ppt/slides/slide13.xml><?xml version="1.0" encoding="utf-8"?>
 <p:sld xmlns:a="http://schemas.openxmlformats.org/drawingml/2006/main" xmlns:r="http://schemas.openxmlformats.org/officeDocument/2006/relationships" xmlns:p="http://schemas.openxmlformats.org/presentationml/2006/main">
   <p:cSld>
+    <p:bg>
+      <p:bgPr>
+        <a:solidFill>
+          <a:schemeClr val="bg1"/>
+        </a:solidFill>
+        <a:effectLst/>
+      </p:bgPr>
+    </p:bg>
     <p:spTree>
       <p:nvGrpSpPr>
         <p:cNvPr id="1" name=""/>
@@ -6454,16 +7432,75 @@
             <p:ph type="title"/>
           </p:nvPr>
         </p:nvSpPr>
-        <p:spPr/>
-        <p:txBody>
-          <a:bodyPr/>
+        <p:spPr>
+          <a:xfrm>
+            <a:off x="1110194" y="241465"/>
+            <a:ext cx="6591389" cy="1320800"/>
+          </a:xfrm>
+        </p:spPr>
+        <p:txBody>
+          <a:bodyPr vert="horz" lIns="91440" tIns="45720" rIns="91440" bIns="45720" rtlCol="0" anchor="ctr">
+            <a:normAutofit/>
+          </a:bodyPr>
           <a:lstStyle/>
           <a:p>
-            <a:r>
-              <a:rPr lang="it-IT" dirty="0"/>
+            <a:pPr algn="ctr"/>
+            <a:r>
+              <a:rPr lang="en-US" dirty="0"/>
               <a:t>The complete flow</a:t>
             </a:r>
-            <a:endParaRPr lang="en-US" dirty="0"/>
+          </a:p>
+        </p:txBody>
+      </p:sp>
+      <p:sp>
+        <p:nvSpPr>
+          <p:cNvPr id="4" name="CasellaDiTesto 3">
+            <a:extLst>
+              <a:ext uri="{FF2B5EF4-FFF2-40B4-BE49-F238E27FC236}">
+                <a16:creationId xmlns:a16="http://schemas.microsoft.com/office/drawing/2014/main" id="{117390EB-2DE8-4F8E-883C-A3C63882A628}"/>
+              </a:ext>
+            </a:extLst>
+          </p:cNvPr>
+          <p:cNvSpPr txBox="1"/>
+          <p:nvPr/>
+        </p:nvSpPr>
+        <p:spPr>
+          <a:xfrm>
+            <a:off x="6096000" y="5170984"/>
+            <a:ext cx="3720916" cy="3560733"/>
+          </a:xfrm>
+          <a:prstGeom prst="rect">
+            <a:avLst/>
+          </a:prstGeom>
+        </p:spPr>
+        <p:txBody>
+          <a:bodyPr vert="horz" lIns="91440" tIns="45720" rIns="91440" bIns="45720" rtlCol="0">
+            <a:normAutofit/>
+          </a:bodyPr>
+          <a:lstStyle/>
+          <a:p>
+            <a:pPr marL="285750" indent="-285750">
+              <a:spcBef>
+                <a:spcPts val="1000"/>
+              </a:spcBef>
+              <a:buClr>
+                <a:schemeClr val="accent1"/>
+              </a:buClr>
+              <a:buSzPct val="80000"/>
+              <a:buFont typeface="Wingdings 3" charset="2"/>
+              <a:buChar char=""/>
+            </a:pPr>
+            <a:r>
+              <a:rPr lang="en-US" dirty="0">
+                <a:solidFill>
+                  <a:schemeClr val="tx1">
+                    <a:lumMod val="75000"/>
+                    <a:lumOff val="25000"/>
+                  </a:schemeClr>
+                </a:solidFill>
+              </a:rPr>
+              <a:t>Web Application</a:t>
+            </a:r>
           </a:p>
         </p:txBody>
       </p:sp>
@@ -6497,51 +7534,14 @@
         </p:blipFill>
         <p:spPr>
           <a:xfrm>
-            <a:off x="677334" y="1616372"/>
-            <a:ext cx="8596312" cy="2832310"/>
-          </a:xfrm>
-        </p:spPr>
-      </p:pic>
-      <p:sp>
-        <p:nvSpPr>
-          <p:cNvPr id="4" name="CasellaDiTesto 3">
-            <a:extLst>
-              <a:ext uri="{FF2B5EF4-FFF2-40B4-BE49-F238E27FC236}">
-                <a16:creationId xmlns:a16="http://schemas.microsoft.com/office/drawing/2014/main" id="{117390EB-2DE8-4F8E-883C-A3C63882A628}"/>
-              </a:ext>
-            </a:extLst>
-          </p:cNvPr>
-          <p:cNvSpPr txBox="1"/>
-          <p:nvPr/>
-        </p:nvSpPr>
-        <p:spPr>
-          <a:xfrm>
-            <a:off x="4786306" y="5086122"/>
-            <a:ext cx="3835730" cy="369332"/>
+            <a:off x="473920" y="1930400"/>
+            <a:ext cx="8166814" cy="2695046"/>
           </a:xfrm>
           <a:prstGeom prst="rect">
             <a:avLst/>
           </a:prstGeom>
-          <a:noFill/>
         </p:spPr>
-        <p:txBody>
-          <a:bodyPr wrap="square" rtlCol="0">
-            <a:spAutoFit/>
-          </a:bodyPr>
-          <a:lstStyle/>
-          <a:p>
-            <a:pPr marL="285750" indent="-285750">
-              <a:buFont typeface="Arial" panose="020B0604020202020204" pitchFamily="34" charset="0"/>
-              <a:buChar char="•"/>
-            </a:pPr>
-            <a:r>
-              <a:rPr lang="it-IT" dirty="0"/>
-              <a:t>Web Application</a:t>
-            </a:r>
-            <a:endParaRPr lang="en-US" dirty="0"/>
-          </a:p>
-        </p:txBody>
-      </p:sp>
+      </p:pic>
     </p:spTree>
     <p:extLst>
       <p:ext uri="{BB962C8B-B14F-4D97-AF65-F5344CB8AC3E}">
@@ -7852,7 +8852,7 @@
           <a:p>
             <a:pPr algn="r"/>
             <a:r>
-              <a:rPr lang="en-US" sz="5400"/>
+              <a:rPr lang="en-US" sz="5400" dirty="0"/>
               <a:t>Thank you for listening</a:t>
             </a:r>
           </a:p>

--- a/Presentations/First presentation.pptx
+++ b/Presentations/First presentation.pptx
@@ -6758,6 +6758,78 @@
           </a:p>
         </p:txBody>
       </p:sp>
+      <p:sp>
+        <p:nvSpPr>
+          <p:cNvPr id="4" name="Rettangolo 3">
+            <a:extLst>
+              <a:ext uri="{FF2B5EF4-FFF2-40B4-BE49-F238E27FC236}">
+                <a16:creationId xmlns:a16="http://schemas.microsoft.com/office/drawing/2014/main" id="{145714D3-734F-43FE-8B1B-FA38A11E26F9}"/>
+              </a:ext>
+            </a:extLst>
+          </p:cNvPr>
+          <p:cNvSpPr/>
+          <p:nvPr/>
+        </p:nvSpPr>
+        <p:spPr>
+          <a:xfrm>
+            <a:off x="5034499" y="6163072"/>
+            <a:ext cx="4899483" cy="646331"/>
+          </a:xfrm>
+          <a:prstGeom prst="rect">
+            <a:avLst/>
+          </a:prstGeom>
+        </p:spPr>
+        <p:txBody>
+          <a:bodyPr wrap="none">
+            <a:spAutoFit/>
+          </a:bodyPr>
+          <a:lstStyle/>
+          <a:p>
+            <a:r>
+              <a:rPr lang="en-US" dirty="0">
+                <a:solidFill>
+                  <a:schemeClr val="bg1"/>
+                </a:solidFill>
+              </a:rPr>
+              <a:t>Repository</a:t>
+            </a:r>
+            <a:endParaRPr lang="en-US" dirty="0">
+              <a:solidFill>
+                <a:schemeClr val="bg1"/>
+              </a:solidFill>
+              <a:hlinkClick r:id="rId2">
+                <a:extLst>
+                  <a:ext uri="{A12FA001-AC4F-418D-AE19-62706E023703}">
+                    <ahyp:hlinkClr xmlns:ahyp="http://schemas.microsoft.com/office/drawing/2018/hyperlinkcolor" val="tx"/>
+                  </a:ext>
+                </a:extLst>
+              </a:hlinkClick>
+            </a:endParaRPr>
+          </a:p>
+          <a:p>
+            <a:r>
+              <a:rPr lang="en-US" dirty="0">
+                <a:solidFill>
+                  <a:schemeClr val="bg1"/>
+                </a:solidFill>
+                <a:hlinkClick r:id="rId2">
+                  <a:extLst>
+                    <a:ext uri="{A12FA001-AC4F-418D-AE19-62706E023703}">
+                      <ahyp:hlinkClr xmlns:ahyp="http://schemas.microsoft.com/office/drawing/2018/hyperlinkcolor" val="tx"/>
+                    </a:ext>
+                  </a:extLst>
+                </a:hlinkClick>
+              </a:rPr>
+              <a:t>https://github.com/LuigiSigillo/IotBigProject</a:t>
+            </a:r>
+            <a:endParaRPr lang="en-US" dirty="0">
+              <a:solidFill>
+                <a:schemeClr val="bg1"/>
+              </a:solidFill>
+            </a:endParaRPr>
+          </a:p>
+        </p:txBody>
+      </p:sp>
     </p:spTree>
     <p:extLst>
       <p:ext uri="{BB962C8B-B14F-4D97-AF65-F5344CB8AC3E}">

--- a/Presentations/First presentation.pptx
+++ b/Presentations/First presentation.pptx
@@ -847,7 +847,7 @@
           <a:p>
             <a:fld id="{F508663A-A328-45BA-A8DC-088A2118BFD9}" type="datetimeFigureOut">
               <a:rPr lang="en-US" smtClean="0"/>
-              <a:t>4/30/2020</a:t>
+              <a:t>4/30/20</a:t>
             </a:fld>
             <a:endParaRPr lang="en-US"/>
           </a:p>
@@ -1098,7 +1098,7 @@
           <a:p>
             <a:fld id="{F508663A-A328-45BA-A8DC-088A2118BFD9}" type="datetimeFigureOut">
               <a:rPr lang="en-US" smtClean="0"/>
-              <a:t>4/30/2020</a:t>
+              <a:t>4/30/20</a:t>
             </a:fld>
             <a:endParaRPr lang="en-US"/>
           </a:p>
@@ -1412,7 +1412,7 @@
           <a:p>
             <a:fld id="{F508663A-A328-45BA-A8DC-088A2118BFD9}" type="datetimeFigureOut">
               <a:rPr lang="en-US" smtClean="0"/>
-              <a:t>4/30/2020</a:t>
+              <a:t>4/30/20</a:t>
             </a:fld>
             <a:endParaRPr lang="en-US"/>
           </a:p>
@@ -1753,7 +1753,7 @@
           <a:p>
             <a:fld id="{F508663A-A328-45BA-A8DC-088A2118BFD9}" type="datetimeFigureOut">
               <a:rPr lang="en-US" smtClean="0"/>
-              <a:t>4/30/2020</a:t>
+              <a:t>4/30/20</a:t>
             </a:fld>
             <a:endParaRPr lang="en-US"/>
           </a:p>
@@ -2067,7 +2067,7 @@
           <a:p>
             <a:fld id="{F508663A-A328-45BA-A8DC-088A2118BFD9}" type="datetimeFigureOut">
               <a:rPr lang="en-US" smtClean="0"/>
-              <a:t>4/30/2020</a:t>
+              <a:t>4/30/20</a:t>
             </a:fld>
             <a:endParaRPr lang="en-US"/>
           </a:p>
@@ -2460,7 +2460,7 @@
           <a:p>
             <a:fld id="{F508663A-A328-45BA-A8DC-088A2118BFD9}" type="datetimeFigureOut">
               <a:rPr lang="en-US" smtClean="0"/>
-              <a:t>4/30/2020</a:t>
+              <a:t>4/30/20</a:t>
             </a:fld>
             <a:endParaRPr lang="en-US"/>
           </a:p>
@@ -2630,7 +2630,7 @@
           <a:p>
             <a:fld id="{F508663A-A328-45BA-A8DC-088A2118BFD9}" type="datetimeFigureOut">
               <a:rPr lang="en-US" smtClean="0"/>
-              <a:t>4/30/2020</a:t>
+              <a:t>4/30/20</a:t>
             </a:fld>
             <a:endParaRPr lang="en-US"/>
           </a:p>
@@ -2810,7 +2810,7 @@
           <a:p>
             <a:fld id="{F508663A-A328-45BA-A8DC-088A2118BFD9}" type="datetimeFigureOut">
               <a:rPr lang="en-US" smtClean="0"/>
-              <a:t>4/30/2020</a:t>
+              <a:t>4/30/20</a:t>
             </a:fld>
             <a:endParaRPr lang="en-US"/>
           </a:p>
@@ -2986,7 +2986,7 @@
           <a:p>
             <a:fld id="{F508663A-A328-45BA-A8DC-088A2118BFD9}" type="datetimeFigureOut">
               <a:rPr lang="en-US" smtClean="0"/>
-              <a:t>4/30/2020</a:t>
+              <a:t>4/30/20</a:t>
             </a:fld>
             <a:endParaRPr lang="en-US"/>
           </a:p>
@@ -3233,7 +3233,7 @@
           <a:p>
             <a:fld id="{F508663A-A328-45BA-A8DC-088A2118BFD9}" type="datetimeFigureOut">
               <a:rPr lang="en-US" smtClean="0"/>
-              <a:t>4/30/2020</a:t>
+              <a:t>4/30/20</a:t>
             </a:fld>
             <a:endParaRPr lang="en-US"/>
           </a:p>
@@ -3465,7 +3465,7 @@
           <a:p>
             <a:fld id="{F508663A-A328-45BA-A8DC-088A2118BFD9}" type="datetimeFigureOut">
               <a:rPr lang="en-US" smtClean="0"/>
-              <a:t>4/30/2020</a:t>
+              <a:t>4/30/20</a:t>
             </a:fld>
             <a:endParaRPr lang="en-US"/>
           </a:p>
@@ -3839,7 +3839,7 @@
           <a:p>
             <a:fld id="{F508663A-A328-45BA-A8DC-088A2118BFD9}" type="datetimeFigureOut">
               <a:rPr lang="en-US" smtClean="0"/>
-              <a:t>4/30/2020</a:t>
+              <a:t>4/30/20</a:t>
             </a:fld>
             <a:endParaRPr lang="en-US"/>
           </a:p>
@@ -3962,7 +3962,7 @@
           <a:p>
             <a:fld id="{F508663A-A328-45BA-A8DC-088A2118BFD9}" type="datetimeFigureOut">
               <a:rPr lang="en-US" smtClean="0"/>
-              <a:t>4/30/2020</a:t>
+              <a:t>4/30/20</a:t>
             </a:fld>
             <a:endParaRPr lang="en-US"/>
           </a:p>
@@ -4057,7 +4057,7 @@
           <a:p>
             <a:fld id="{F508663A-A328-45BA-A8DC-088A2118BFD9}" type="datetimeFigureOut">
               <a:rPr lang="en-US" smtClean="0"/>
-              <a:t>4/30/2020</a:t>
+              <a:t>4/30/20</a:t>
             </a:fld>
             <a:endParaRPr lang="en-US"/>
           </a:p>
@@ -4312,7 +4312,7 @@
           <a:p>
             <a:fld id="{F508663A-A328-45BA-A8DC-088A2118BFD9}" type="datetimeFigureOut">
               <a:rPr lang="en-US" smtClean="0"/>
-              <a:t>4/30/2020</a:t>
+              <a:t>4/30/20</a:t>
             </a:fld>
             <a:endParaRPr lang="en-US"/>
           </a:p>
@@ -4575,7 +4575,7 @@
           <a:p>
             <a:fld id="{F508663A-A328-45BA-A8DC-088A2118BFD9}" type="datetimeFigureOut">
               <a:rPr lang="en-US" smtClean="0"/>
-              <a:t>4/30/2020</a:t>
+              <a:t>4/30/20</a:t>
             </a:fld>
             <a:endParaRPr lang="en-US"/>
           </a:p>
@@ -5318,7 +5318,7 @@
           <a:p>
             <a:fld id="{F508663A-A328-45BA-A8DC-088A2118BFD9}" type="datetimeFigureOut">
               <a:rPr lang="en-US" smtClean="0"/>
-              <a:t>4/30/2020</a:t>
+              <a:t>4/30/20</a:t>
             </a:fld>
             <a:endParaRPr lang="en-US"/>
           </a:p>
@@ -9150,7 +9150,19 @@
           <a:p>
             <a:r>
               <a:rPr lang="en-US" dirty="0"/>
-              <a:t>It can suggest the next room you could visit based on the time you have spent in the previous rooms. </a:t>
+              <a:t>During a tour in the Sapienza “</a:t>
+            </a:r>
+            <a:r>
+              <a:rPr lang="it-IT" dirty="0"/>
+              <a:t>Museo dell'Arte Classica</a:t>
+            </a:r>
+            <a:r>
+              <a:rPr lang="en-US"/>
+              <a:t>”, it </a:t>
+            </a:r>
+            <a:r>
+              <a:rPr lang="en-US" dirty="0"/>
+              <a:t>can suggest the next section you could visit based on the time you have spent in the previous sections</a:t>
             </a:r>
           </a:p>
           <a:p>
@@ -9168,7 +9180,7 @@
           <a:p>
             <a:r>
               <a:rPr lang="en-US" dirty="0"/>
-              <a:t>The suggestion is sent every time a user is leaving a room.</a:t>
+              <a:t>The suggestion is sent every time a user is leaving a section</a:t>
             </a:r>
             <a:endParaRPr lang="it-IT" dirty="0"/>
           </a:p>

--- a/Presentations/First presentation.pptx
+++ b/Presentations/First presentation.pptx
@@ -847,7 +847,7 @@
           <a:p>
             <a:fld id="{F508663A-A328-45BA-A8DC-088A2118BFD9}" type="datetimeFigureOut">
               <a:rPr lang="en-US" smtClean="0"/>
-              <a:t>4/30/20</a:t>
+              <a:t>5/2/20</a:t>
             </a:fld>
             <a:endParaRPr lang="en-US"/>
           </a:p>
@@ -1098,7 +1098,7 @@
           <a:p>
             <a:fld id="{F508663A-A328-45BA-A8DC-088A2118BFD9}" type="datetimeFigureOut">
               <a:rPr lang="en-US" smtClean="0"/>
-              <a:t>4/30/20</a:t>
+              <a:t>5/2/20</a:t>
             </a:fld>
             <a:endParaRPr lang="en-US"/>
           </a:p>
@@ -1412,7 +1412,7 @@
           <a:p>
             <a:fld id="{F508663A-A328-45BA-A8DC-088A2118BFD9}" type="datetimeFigureOut">
               <a:rPr lang="en-US" smtClean="0"/>
-              <a:t>4/30/20</a:t>
+              <a:t>5/2/20</a:t>
             </a:fld>
             <a:endParaRPr lang="en-US"/>
           </a:p>
@@ -1753,7 +1753,7 @@
           <a:p>
             <a:fld id="{F508663A-A328-45BA-A8DC-088A2118BFD9}" type="datetimeFigureOut">
               <a:rPr lang="en-US" smtClean="0"/>
-              <a:t>4/30/20</a:t>
+              <a:t>5/2/20</a:t>
             </a:fld>
             <a:endParaRPr lang="en-US"/>
           </a:p>
@@ -2067,7 +2067,7 @@
           <a:p>
             <a:fld id="{F508663A-A328-45BA-A8DC-088A2118BFD9}" type="datetimeFigureOut">
               <a:rPr lang="en-US" smtClean="0"/>
-              <a:t>4/30/20</a:t>
+              <a:t>5/2/20</a:t>
             </a:fld>
             <a:endParaRPr lang="en-US"/>
           </a:p>
@@ -2460,7 +2460,7 @@
           <a:p>
             <a:fld id="{F508663A-A328-45BA-A8DC-088A2118BFD9}" type="datetimeFigureOut">
               <a:rPr lang="en-US" smtClean="0"/>
-              <a:t>4/30/20</a:t>
+              <a:t>5/2/20</a:t>
             </a:fld>
             <a:endParaRPr lang="en-US"/>
           </a:p>
@@ -2630,7 +2630,7 @@
           <a:p>
             <a:fld id="{F508663A-A328-45BA-A8DC-088A2118BFD9}" type="datetimeFigureOut">
               <a:rPr lang="en-US" smtClean="0"/>
-              <a:t>4/30/20</a:t>
+              <a:t>5/2/20</a:t>
             </a:fld>
             <a:endParaRPr lang="en-US"/>
           </a:p>
@@ -2810,7 +2810,7 @@
           <a:p>
             <a:fld id="{F508663A-A328-45BA-A8DC-088A2118BFD9}" type="datetimeFigureOut">
               <a:rPr lang="en-US" smtClean="0"/>
-              <a:t>4/30/20</a:t>
+              <a:t>5/2/20</a:t>
             </a:fld>
             <a:endParaRPr lang="en-US"/>
           </a:p>
@@ -2986,7 +2986,7 @@
           <a:p>
             <a:fld id="{F508663A-A328-45BA-A8DC-088A2118BFD9}" type="datetimeFigureOut">
               <a:rPr lang="en-US" smtClean="0"/>
-              <a:t>4/30/20</a:t>
+              <a:t>5/2/20</a:t>
             </a:fld>
             <a:endParaRPr lang="en-US"/>
           </a:p>
@@ -3233,7 +3233,7 @@
           <a:p>
             <a:fld id="{F508663A-A328-45BA-A8DC-088A2118BFD9}" type="datetimeFigureOut">
               <a:rPr lang="en-US" smtClean="0"/>
-              <a:t>4/30/20</a:t>
+              <a:t>5/2/20</a:t>
             </a:fld>
             <a:endParaRPr lang="en-US"/>
           </a:p>
@@ -3465,7 +3465,7 @@
           <a:p>
             <a:fld id="{F508663A-A328-45BA-A8DC-088A2118BFD9}" type="datetimeFigureOut">
               <a:rPr lang="en-US" smtClean="0"/>
-              <a:t>4/30/20</a:t>
+              <a:t>5/2/20</a:t>
             </a:fld>
             <a:endParaRPr lang="en-US"/>
           </a:p>
@@ -3839,7 +3839,7 @@
           <a:p>
             <a:fld id="{F508663A-A328-45BA-A8DC-088A2118BFD9}" type="datetimeFigureOut">
               <a:rPr lang="en-US" smtClean="0"/>
-              <a:t>4/30/20</a:t>
+              <a:t>5/2/20</a:t>
             </a:fld>
             <a:endParaRPr lang="en-US"/>
           </a:p>
@@ -3962,7 +3962,7 @@
           <a:p>
             <a:fld id="{F508663A-A328-45BA-A8DC-088A2118BFD9}" type="datetimeFigureOut">
               <a:rPr lang="en-US" smtClean="0"/>
-              <a:t>4/30/20</a:t>
+              <a:t>5/2/20</a:t>
             </a:fld>
             <a:endParaRPr lang="en-US"/>
           </a:p>
@@ -4057,7 +4057,7 @@
           <a:p>
             <a:fld id="{F508663A-A328-45BA-A8DC-088A2118BFD9}" type="datetimeFigureOut">
               <a:rPr lang="en-US" smtClean="0"/>
-              <a:t>4/30/20</a:t>
+              <a:t>5/2/20</a:t>
             </a:fld>
             <a:endParaRPr lang="en-US"/>
           </a:p>
@@ -4312,7 +4312,7 @@
           <a:p>
             <a:fld id="{F508663A-A328-45BA-A8DC-088A2118BFD9}" type="datetimeFigureOut">
               <a:rPr lang="en-US" smtClean="0"/>
-              <a:t>4/30/20</a:t>
+              <a:t>5/2/20</a:t>
             </a:fld>
             <a:endParaRPr lang="en-US"/>
           </a:p>
@@ -4575,7 +4575,7 @@
           <a:p>
             <a:fld id="{F508663A-A328-45BA-A8DC-088A2118BFD9}" type="datetimeFigureOut">
               <a:rPr lang="en-US" smtClean="0"/>
-              <a:t>4/30/20</a:t>
+              <a:t>5/2/20</a:t>
             </a:fld>
             <a:endParaRPr lang="en-US"/>
           </a:p>
@@ -5318,7 +5318,7 @@
           <a:p>
             <a:fld id="{F508663A-A328-45BA-A8DC-088A2118BFD9}" type="datetimeFigureOut">
               <a:rPr lang="en-US" smtClean="0"/>
-              <a:t>4/30/20</a:t>
+              <a:t>5/2/20</a:t>
             </a:fld>
             <a:endParaRPr lang="en-US"/>
           </a:p>
@@ -9157,12 +9157,14 @@
               <a:t>Museo dell'Arte Classica</a:t>
             </a:r>
             <a:r>
-              <a:rPr lang="en-US"/>
-              <a:t>”, it </a:t>
-            </a:r>
-            <a:r>
               <a:rPr lang="en-US" dirty="0"/>
-              <a:t>can suggest the next section you could visit based on the time you have spent in the previous sections</a:t>
+              <a:t>”, it can suggest the next section you could visit based on the time you have spent in the previous sections</a:t>
+            </a:r>
+          </a:p>
+          <a:p>
+            <a:r>
+              <a:rPr lang="en-US" dirty="0"/>
+              <a:t>The application will display a preview of the suggested section, so that the user could choose to follow it or to jump to another suggestion.</a:t>
             </a:r>
           </a:p>
           <a:p>
@@ -9174,13 +9176,13 @@
           <a:p>
             <a:r>
               <a:rPr lang="en-US" dirty="0"/>
-              <a:t>The smartphone starts collecting data, in an anonymous way, to make the best suggestion for every user</a:t>
+              <a:t>The smartphone starts collecting data, in an anonymous way, to make the best suggestions for every user</a:t>
             </a:r>
           </a:p>
           <a:p>
             <a:r>
               <a:rPr lang="en-US" dirty="0"/>
-              <a:t>The suggestion is sent every time a user is leaving a section</a:t>
+              <a:t>The suggestions are sent every time a user is leaving a section</a:t>
             </a:r>
             <a:endParaRPr lang="it-IT" dirty="0"/>
           </a:p>
@@ -9341,19 +9343,17 @@
       </p:sp>
       <p:pic>
         <p:nvPicPr>
-          <p:cNvPr id="7" name="Segnaposto contenuto 6" descr="Immagine che contiene screenshot&#10;&#10;Descrizione generata automaticamente">
+          <p:cNvPr id="4" name="Immagine 3">
             <a:extLst>
               <a:ext uri="{FF2B5EF4-FFF2-40B4-BE49-F238E27FC236}">
-                <a16:creationId xmlns:a16="http://schemas.microsoft.com/office/drawing/2014/main" id="{B9758A09-9A49-4E35-8767-DD2EDA10FBAE}"/>
+                <a16:creationId xmlns:a16="http://schemas.microsoft.com/office/drawing/2014/main" id="{8CB88F18-87F0-DF4C-9FB5-B5F6B1731B22}"/>
               </a:ext>
             </a:extLst>
           </p:cNvPr>
           <p:cNvPicPr>
-            <a:picLocks noGrp="1" noChangeAspect="1"/>
+            <a:picLocks noChangeAspect="1"/>
           </p:cNvPicPr>
-          <p:nvPr>
-            <p:ph idx="1"/>
-          </p:nvPr>
+          <p:nvPr/>
         </p:nvPicPr>
         <p:blipFill>
           <a:blip r:embed="rId2">
@@ -9369,9 +9369,12 @@
         </p:blipFill>
         <p:spPr>
           <a:xfrm>
-            <a:off x="964604" y="1930400"/>
-            <a:ext cx="8309398" cy="4377754"/>
+            <a:off x="962400" y="1930400"/>
+            <a:ext cx="8311602" cy="4376594"/>
           </a:xfrm>
+          <a:prstGeom prst="rect">
+            <a:avLst/>
+          </a:prstGeom>
         </p:spPr>
       </p:pic>
     </p:spTree>
@@ -9717,8 +9720,13 @@
           <a:p>
             <a:r>
               <a:rPr lang="en-US" dirty="0"/>
-              <a:t>We are planning evaluate the user experience using mockups, and after every demo of these prototypes we will collect people's opinions asking for feedbacks.</a:t>
-            </a:r>
+              <a:t>We are planning evaluate the user experience using mockups, and after every demo of these prototypes we will collect people's opinions asking for feedbacks and publishing some </a:t>
+            </a:r>
+            <a:r>
+              <a:rPr lang="en-US"/>
+              <a:t>google forms.</a:t>
+            </a:r>
+            <a:endParaRPr lang="en-US" dirty="0"/>
           </a:p>
           <a:p>
             <a:r>

--- a/Presentations/First presentation.pptx
+++ b/Presentations/First presentation.pptx
@@ -847,7 +847,7 @@
           <a:p>
             <a:fld id="{F508663A-A328-45BA-A8DC-088A2118BFD9}" type="datetimeFigureOut">
               <a:rPr lang="en-US" smtClean="0"/>
-              <a:t>5/2/20</a:t>
+              <a:t>5/5/2020</a:t>
             </a:fld>
             <a:endParaRPr lang="en-US"/>
           </a:p>
@@ -1098,7 +1098,7 @@
           <a:p>
             <a:fld id="{F508663A-A328-45BA-A8DC-088A2118BFD9}" type="datetimeFigureOut">
               <a:rPr lang="en-US" smtClean="0"/>
-              <a:t>5/2/20</a:t>
+              <a:t>5/5/2020</a:t>
             </a:fld>
             <a:endParaRPr lang="en-US"/>
           </a:p>
@@ -1412,7 +1412,7 @@
           <a:p>
             <a:fld id="{F508663A-A328-45BA-A8DC-088A2118BFD9}" type="datetimeFigureOut">
               <a:rPr lang="en-US" smtClean="0"/>
-              <a:t>5/2/20</a:t>
+              <a:t>5/5/2020</a:t>
             </a:fld>
             <a:endParaRPr lang="en-US"/>
           </a:p>
@@ -1753,7 +1753,7 @@
           <a:p>
             <a:fld id="{F508663A-A328-45BA-A8DC-088A2118BFD9}" type="datetimeFigureOut">
               <a:rPr lang="en-US" smtClean="0"/>
-              <a:t>5/2/20</a:t>
+              <a:t>5/5/2020</a:t>
             </a:fld>
             <a:endParaRPr lang="en-US"/>
           </a:p>
@@ -2067,7 +2067,7 @@
           <a:p>
             <a:fld id="{F508663A-A328-45BA-A8DC-088A2118BFD9}" type="datetimeFigureOut">
               <a:rPr lang="en-US" smtClean="0"/>
-              <a:t>5/2/20</a:t>
+              <a:t>5/5/2020</a:t>
             </a:fld>
             <a:endParaRPr lang="en-US"/>
           </a:p>
@@ -2460,7 +2460,7 @@
           <a:p>
             <a:fld id="{F508663A-A328-45BA-A8DC-088A2118BFD9}" type="datetimeFigureOut">
               <a:rPr lang="en-US" smtClean="0"/>
-              <a:t>5/2/20</a:t>
+              <a:t>5/5/2020</a:t>
             </a:fld>
             <a:endParaRPr lang="en-US"/>
           </a:p>
@@ -2630,7 +2630,7 @@
           <a:p>
             <a:fld id="{F508663A-A328-45BA-A8DC-088A2118BFD9}" type="datetimeFigureOut">
               <a:rPr lang="en-US" smtClean="0"/>
-              <a:t>5/2/20</a:t>
+              <a:t>5/5/2020</a:t>
             </a:fld>
             <a:endParaRPr lang="en-US"/>
           </a:p>
@@ -2810,7 +2810,7 @@
           <a:p>
             <a:fld id="{F508663A-A328-45BA-A8DC-088A2118BFD9}" type="datetimeFigureOut">
               <a:rPr lang="en-US" smtClean="0"/>
-              <a:t>5/2/20</a:t>
+              <a:t>5/5/2020</a:t>
             </a:fld>
             <a:endParaRPr lang="en-US"/>
           </a:p>
@@ -2986,7 +2986,7 @@
           <a:p>
             <a:fld id="{F508663A-A328-45BA-A8DC-088A2118BFD9}" type="datetimeFigureOut">
               <a:rPr lang="en-US" smtClean="0"/>
-              <a:t>5/2/20</a:t>
+              <a:t>5/5/2020</a:t>
             </a:fld>
             <a:endParaRPr lang="en-US"/>
           </a:p>
@@ -3233,7 +3233,7 @@
           <a:p>
             <a:fld id="{F508663A-A328-45BA-A8DC-088A2118BFD9}" type="datetimeFigureOut">
               <a:rPr lang="en-US" smtClean="0"/>
-              <a:t>5/2/20</a:t>
+              <a:t>5/5/2020</a:t>
             </a:fld>
             <a:endParaRPr lang="en-US"/>
           </a:p>
@@ -3465,7 +3465,7 @@
           <a:p>
             <a:fld id="{F508663A-A328-45BA-A8DC-088A2118BFD9}" type="datetimeFigureOut">
               <a:rPr lang="en-US" smtClean="0"/>
-              <a:t>5/2/20</a:t>
+              <a:t>5/5/2020</a:t>
             </a:fld>
             <a:endParaRPr lang="en-US"/>
           </a:p>
@@ -3839,7 +3839,7 @@
           <a:p>
             <a:fld id="{F508663A-A328-45BA-A8DC-088A2118BFD9}" type="datetimeFigureOut">
               <a:rPr lang="en-US" smtClean="0"/>
-              <a:t>5/2/20</a:t>
+              <a:t>5/5/2020</a:t>
             </a:fld>
             <a:endParaRPr lang="en-US"/>
           </a:p>
@@ -3962,7 +3962,7 @@
           <a:p>
             <a:fld id="{F508663A-A328-45BA-A8DC-088A2118BFD9}" type="datetimeFigureOut">
               <a:rPr lang="en-US" smtClean="0"/>
-              <a:t>5/2/20</a:t>
+              <a:t>5/5/2020</a:t>
             </a:fld>
             <a:endParaRPr lang="en-US"/>
           </a:p>
@@ -4057,7 +4057,7 @@
           <a:p>
             <a:fld id="{F508663A-A328-45BA-A8DC-088A2118BFD9}" type="datetimeFigureOut">
               <a:rPr lang="en-US" smtClean="0"/>
-              <a:t>5/2/20</a:t>
+              <a:t>5/5/2020</a:t>
             </a:fld>
             <a:endParaRPr lang="en-US"/>
           </a:p>
@@ -4312,7 +4312,7 @@
           <a:p>
             <a:fld id="{F508663A-A328-45BA-A8DC-088A2118BFD9}" type="datetimeFigureOut">
               <a:rPr lang="en-US" smtClean="0"/>
-              <a:t>5/2/20</a:t>
+              <a:t>5/5/2020</a:t>
             </a:fld>
             <a:endParaRPr lang="en-US"/>
           </a:p>
@@ -4575,7 +4575,7 @@
           <a:p>
             <a:fld id="{F508663A-A328-45BA-A8DC-088A2118BFD9}" type="datetimeFigureOut">
               <a:rPr lang="en-US" smtClean="0"/>
-              <a:t>5/2/20</a:t>
+              <a:t>5/5/2020</a:t>
             </a:fld>
             <a:endParaRPr lang="en-US"/>
           </a:p>
@@ -5318,7 +5318,7 @@
           <a:p>
             <a:fld id="{F508663A-A328-45BA-A8DC-088A2118BFD9}" type="datetimeFigureOut">
               <a:rPr lang="en-US" smtClean="0"/>
-              <a:t>5/2/20</a:t>
+              <a:t>5/5/2020</a:t>
             </a:fld>
             <a:endParaRPr lang="en-US"/>
           </a:p>
@@ -6689,7 +6689,7 @@
         <p:spPr>
           <a:xfrm>
             <a:off x="1568464" y="5148196"/>
-            <a:ext cx="3819353" cy="923330"/>
+            <a:ext cx="3819353" cy="1477328"/>
           </a:xfrm>
           <a:prstGeom prst="rect">
             <a:avLst/>
@@ -6749,6 +6749,31 @@
                 </a:solidFill>
               </a:rPr>
               <a:t>Luigi Sigillo</a:t>
+            </a:r>
+          </a:p>
+          <a:p>
+            <a:endParaRPr lang="it-IT" dirty="0">
+              <a:solidFill>
+                <a:schemeClr val="bg1"/>
+              </a:solidFill>
+            </a:endParaRPr>
+          </a:p>
+          <a:p>
+            <a:r>
+              <a:rPr lang="en-US" dirty="0">
+                <a:solidFill>
+                  <a:schemeClr val="bg1"/>
+                </a:solidFill>
+              </a:rPr>
+              <a:t>Supervisor: Joy Abi </a:t>
+            </a:r>
+            <a:r>
+              <a:rPr lang="en-US" dirty="0" err="1">
+                <a:solidFill>
+                  <a:schemeClr val="bg1"/>
+                </a:solidFill>
+              </a:rPr>
+              <a:t>Rizk</a:t>
             </a:r>
             <a:endParaRPr lang="en-US" dirty="0">
               <a:solidFill>
